--- a/01-CleanCode/Testing.pptx
+++ b/01-CleanCode/Testing.pptx
@@ -3782,362 +3782,6 @@
       <dsp:cNvGrpSpPr/>
     </dsp:nvGrpSpPr>
     <dsp:grpSpPr/>
-    <dsp:sp modelId="{45185E42-D2A9-4533-9B0E-EFBC92B60B3C}">
-      <dsp:nvSpPr>
-        <dsp:cNvPr id="0" name=""/>
-        <dsp:cNvSpPr/>
-      </dsp:nvSpPr>
-      <dsp:spPr>
-        <a:xfrm>
-          <a:off x="594065" y="0"/>
-          <a:ext cx="6732748" cy="4624288"/>
-        </a:xfrm>
-        <a:prstGeom prst="rightArrow">
-          <a:avLst/>
-        </a:prstGeom>
-        <a:solidFill>
-          <a:schemeClr val="accent6">
-            <a:tint val="40000"/>
-            <a:hueOff val="0"/>
-            <a:satOff val="0"/>
-            <a:lumOff val="0"/>
-            <a:alphaOff val="0"/>
-          </a:schemeClr>
-        </a:solidFill>
-        <a:ln>
-          <a:noFill/>
-        </a:ln>
-        <a:effectLst/>
-      </dsp:spPr>
-      <dsp:style>
-        <a:lnRef idx="0">
-          <a:scrgbClr r="0" g="0" b="0"/>
-        </a:lnRef>
-        <a:fillRef idx="1">
-          <a:scrgbClr r="0" g="0" b="0"/>
-        </a:fillRef>
-        <a:effectRef idx="0">
-          <a:scrgbClr r="0" g="0" b="0"/>
-        </a:effectRef>
-        <a:fontRef idx="minor"/>
-      </dsp:style>
-    </dsp:sp>
-    <dsp:sp modelId="{E22DAE34-AD1D-4430-9ABA-BFC79EBEA14B}">
-      <dsp:nvSpPr>
-        <dsp:cNvPr id="0" name=""/>
-        <dsp:cNvSpPr/>
-      </dsp:nvSpPr>
-      <dsp:spPr>
-        <a:xfrm>
-          <a:off x="2961" y="1387286"/>
-          <a:ext cx="1858359" cy="1849715"/>
-        </a:xfrm>
-        <a:prstGeom prst="roundRect">
-          <a:avLst/>
-        </a:prstGeom>
-        <a:solidFill>
-          <a:schemeClr val="lt1">
-            <a:hueOff val="0"/>
-            <a:satOff val="0"/>
-            <a:lumOff val="0"/>
-            <a:alphaOff val="0"/>
-          </a:schemeClr>
-        </a:solidFill>
-        <a:ln w="25400" cap="flat" cmpd="sng" algn="ctr">
-          <a:solidFill>
-            <a:schemeClr val="accent6">
-              <a:shade val="80000"/>
-              <a:hueOff val="0"/>
-              <a:satOff val="0"/>
-              <a:lumOff val="0"/>
-              <a:alphaOff val="0"/>
-            </a:schemeClr>
-          </a:solidFill>
-          <a:prstDash val="solid"/>
-        </a:ln>
-        <a:effectLst/>
-      </dsp:spPr>
-      <dsp:style>
-        <a:lnRef idx="2">
-          <a:scrgbClr r="0" g="0" b="0"/>
-        </a:lnRef>
-        <a:fillRef idx="1">
-          <a:scrgbClr r="0" g="0" b="0"/>
-        </a:fillRef>
-        <a:effectRef idx="0">
-          <a:scrgbClr r="0" g="0" b="0"/>
-        </a:effectRef>
-        <a:fontRef idx="minor">
-          <a:schemeClr val="lt1"/>
-        </a:fontRef>
-      </dsp:style>
-      <dsp:txBody>
-        <a:bodyPr spcFirstLastPara="0" vert="horz" wrap="square" lIns="95250" tIns="95250" rIns="95250" bIns="95250" numCol="1" spcCol="1270" anchor="ctr" anchorCtr="0">
-          <a:noAutofit/>
-        </a:bodyPr>
-        <a:lstStyle/>
-        <a:p>
-          <a:pPr lvl="0" algn="ctr" defTabSz="1111250">
-            <a:lnSpc>
-              <a:spcPct val="90000"/>
-            </a:lnSpc>
-            <a:spcBef>
-              <a:spcPct val="0"/>
-            </a:spcBef>
-            <a:spcAft>
-              <a:spcPct val="35000"/>
-            </a:spcAft>
-          </a:pPr>
-          <a:r>
-            <a:rPr lang="en-US" sz="2500" kern="1200" dirty="0" smtClean="0"/>
-            <a:t>Design</a:t>
-          </a:r>
-          <a:endParaRPr lang="ru-RU" sz="2500" kern="1200" dirty="0"/>
-        </a:p>
-      </dsp:txBody>
-      <dsp:txXfrm>
-        <a:off x="93257" y="1477582"/>
-        <a:ext cx="1677767" cy="1669123"/>
-      </dsp:txXfrm>
-    </dsp:sp>
-    <dsp:sp modelId="{695C9CA5-3812-43E5-B90C-7137DF8FC033}">
-      <dsp:nvSpPr>
-        <dsp:cNvPr id="0" name=""/>
-        <dsp:cNvSpPr/>
-      </dsp:nvSpPr>
-      <dsp:spPr>
-        <a:xfrm>
-          <a:off x="2021827" y="1387286"/>
-          <a:ext cx="1858359" cy="1849715"/>
-        </a:xfrm>
-        <a:prstGeom prst="roundRect">
-          <a:avLst/>
-        </a:prstGeom>
-        <a:solidFill>
-          <a:schemeClr val="accent2"/>
-        </a:solidFill>
-        <a:ln w="25400" cap="flat" cmpd="sng" algn="ctr">
-          <a:solidFill>
-            <a:schemeClr val="accent2">
-              <a:shade val="50000"/>
-            </a:schemeClr>
-          </a:solidFill>
-          <a:prstDash val="solid"/>
-        </a:ln>
-        <a:effectLst/>
-      </dsp:spPr>
-      <dsp:style>
-        <a:lnRef idx="2">
-          <a:schemeClr val="accent2">
-            <a:shade val="50000"/>
-          </a:schemeClr>
-        </a:lnRef>
-        <a:fillRef idx="1">
-          <a:schemeClr val="accent2"/>
-        </a:fillRef>
-        <a:effectRef idx="0">
-          <a:schemeClr val="accent2"/>
-        </a:effectRef>
-        <a:fontRef idx="minor">
-          <a:schemeClr val="lt1"/>
-        </a:fontRef>
-      </dsp:style>
-      <dsp:txBody>
-        <a:bodyPr spcFirstLastPara="0" vert="horz" wrap="square" lIns="95250" tIns="95250" rIns="95250" bIns="95250" numCol="1" spcCol="1270" anchor="ctr" anchorCtr="0">
-          <a:noAutofit/>
-        </a:bodyPr>
-        <a:lstStyle/>
-        <a:p>
-          <a:pPr lvl="0" algn="ctr" defTabSz="1111250">
-            <a:lnSpc>
-              <a:spcPct val="90000"/>
-            </a:lnSpc>
-            <a:spcBef>
-              <a:spcPct val="0"/>
-            </a:spcBef>
-            <a:spcAft>
-              <a:spcPct val="35000"/>
-            </a:spcAft>
-          </a:pPr>
-          <a:r>
-            <a:rPr lang="en-US" sz="2500" b="1" kern="1200" dirty="0" smtClean="0"/>
-            <a:t>Test</a:t>
-          </a:r>
-          <a:endParaRPr lang="ru-RU" sz="2500" b="1" kern="1200" dirty="0"/>
-        </a:p>
-      </dsp:txBody>
-      <dsp:txXfrm>
-        <a:off x="2112123" y="1477582"/>
-        <a:ext cx="1677767" cy="1669123"/>
-      </dsp:txXfrm>
-    </dsp:sp>
-    <dsp:sp modelId="{8C21F85B-007E-4A5B-8C96-8EE0909CCE0F}">
-      <dsp:nvSpPr>
-        <dsp:cNvPr id="0" name=""/>
-        <dsp:cNvSpPr/>
-      </dsp:nvSpPr>
-      <dsp:spPr>
-        <a:xfrm>
-          <a:off x="4040693" y="1387286"/>
-          <a:ext cx="1858359" cy="1849715"/>
-        </a:xfrm>
-        <a:prstGeom prst="roundRect">
-          <a:avLst/>
-        </a:prstGeom>
-        <a:gradFill rotWithShape="1">
-          <a:gsLst>
-            <a:gs pos="0">
-              <a:schemeClr val="accent6">
-                <a:tint val="50000"/>
-                <a:satMod val="300000"/>
-              </a:schemeClr>
-            </a:gs>
-            <a:gs pos="35000">
-              <a:schemeClr val="accent6">
-                <a:tint val="37000"/>
-                <a:satMod val="300000"/>
-              </a:schemeClr>
-            </a:gs>
-            <a:gs pos="100000">
-              <a:schemeClr val="accent6">
-                <a:tint val="15000"/>
-                <a:satMod val="350000"/>
-              </a:schemeClr>
-            </a:gs>
-          </a:gsLst>
-          <a:lin ang="16200000" scaled="1"/>
-        </a:gradFill>
-        <a:ln w="9525" cap="flat" cmpd="sng" algn="ctr">
-          <a:solidFill>
-            <a:schemeClr val="accent6">
-              <a:shade val="95000"/>
-              <a:satMod val="105000"/>
-            </a:schemeClr>
-          </a:solidFill>
-          <a:prstDash val="solid"/>
-        </a:ln>
-        <a:effectLst>
-          <a:outerShdw blurRad="40000" dist="20000" dir="5400000" rotWithShape="0">
-            <a:srgbClr val="000000">
-              <a:alpha val="38000"/>
-            </a:srgbClr>
-          </a:outerShdw>
-        </a:effectLst>
-      </dsp:spPr>
-      <dsp:style>
-        <a:lnRef idx="1">
-          <a:schemeClr val="accent6"/>
-        </a:lnRef>
-        <a:fillRef idx="2">
-          <a:schemeClr val="accent6"/>
-        </a:fillRef>
-        <a:effectRef idx="1">
-          <a:schemeClr val="accent6"/>
-        </a:effectRef>
-        <a:fontRef idx="minor">
-          <a:schemeClr val="dk1"/>
-        </a:fontRef>
-      </dsp:style>
-      <dsp:txBody>
-        <a:bodyPr spcFirstLastPara="0" vert="horz" wrap="square" lIns="95250" tIns="95250" rIns="95250" bIns="95250" numCol="1" spcCol="1270" anchor="ctr" anchorCtr="0">
-          <a:noAutofit/>
-        </a:bodyPr>
-        <a:lstStyle/>
-        <a:p>
-          <a:pPr lvl="0" algn="ctr" defTabSz="1111250">
-            <a:lnSpc>
-              <a:spcPct val="90000"/>
-            </a:lnSpc>
-            <a:spcBef>
-              <a:spcPct val="0"/>
-            </a:spcBef>
-            <a:spcAft>
-              <a:spcPct val="35000"/>
-            </a:spcAft>
-          </a:pPr>
-          <a:r>
-            <a:rPr lang="en-US" sz="2500" b="1" kern="1200" dirty="0" smtClean="0"/>
-            <a:t>Implement</a:t>
-          </a:r>
-          <a:endParaRPr lang="ru-RU" sz="2500" b="1" kern="1200" dirty="0"/>
-        </a:p>
-      </dsp:txBody>
-      <dsp:txXfrm>
-        <a:off x="4130989" y="1477582"/>
-        <a:ext cx="1677767" cy="1669123"/>
-      </dsp:txXfrm>
-    </dsp:sp>
-    <dsp:sp modelId="{9608AAB3-6559-4338-8423-10DD455883B8}">
-      <dsp:nvSpPr>
-        <dsp:cNvPr id="0" name=""/>
-        <dsp:cNvSpPr/>
-      </dsp:nvSpPr>
-      <dsp:spPr>
-        <a:xfrm>
-          <a:off x="6059559" y="1387286"/>
-          <a:ext cx="1858359" cy="1849715"/>
-        </a:xfrm>
-        <a:prstGeom prst="roundRect">
-          <a:avLst/>
-        </a:prstGeom>
-        <a:solidFill>
-          <a:schemeClr val="accent3"/>
-        </a:solidFill>
-        <a:ln w="25400" cap="flat" cmpd="sng" algn="ctr">
-          <a:solidFill>
-            <a:schemeClr val="accent3">
-              <a:shade val="50000"/>
-            </a:schemeClr>
-          </a:solidFill>
-          <a:prstDash val="solid"/>
-        </a:ln>
-        <a:effectLst/>
-      </dsp:spPr>
-      <dsp:style>
-        <a:lnRef idx="2">
-          <a:schemeClr val="accent3">
-            <a:shade val="50000"/>
-          </a:schemeClr>
-        </a:lnRef>
-        <a:fillRef idx="1">
-          <a:schemeClr val="accent3"/>
-        </a:fillRef>
-        <a:effectRef idx="0">
-          <a:schemeClr val="accent3"/>
-        </a:effectRef>
-        <a:fontRef idx="minor">
-          <a:schemeClr val="lt1"/>
-        </a:fontRef>
-      </dsp:style>
-      <dsp:txBody>
-        <a:bodyPr spcFirstLastPara="0" vert="horz" wrap="square" lIns="95250" tIns="95250" rIns="95250" bIns="95250" numCol="1" spcCol="1270" anchor="ctr" anchorCtr="0">
-          <a:noAutofit/>
-        </a:bodyPr>
-        <a:lstStyle/>
-        <a:p>
-          <a:pPr lvl="0" algn="ctr" defTabSz="1111250">
-            <a:lnSpc>
-              <a:spcPct val="90000"/>
-            </a:lnSpc>
-            <a:spcBef>
-              <a:spcPct val="0"/>
-            </a:spcBef>
-            <a:spcAft>
-              <a:spcPct val="35000"/>
-            </a:spcAft>
-          </a:pPr>
-          <a:r>
-            <a:rPr lang="en-US" sz="2500" b="1" kern="1200" dirty="0" smtClean="0"/>
-            <a:t>Test</a:t>
-          </a:r>
-          <a:endParaRPr lang="ru-RU" sz="2500" b="1" kern="1200" dirty="0"/>
-        </a:p>
-      </dsp:txBody>
-      <dsp:txXfrm>
-        <a:off x="6149855" y="1477582"/>
-        <a:ext cx="1677767" cy="1669123"/>
-      </dsp:txXfrm>
-    </dsp:sp>
   </dsp:spTree>
 </dsp:drawing>
 </file>
@@ -4150,580 +3794,6 @@
       <dsp:cNvGrpSpPr/>
     </dsp:nvGrpSpPr>
     <dsp:grpSpPr/>
-    <dsp:sp modelId="{6CFAF0B4-C71D-4C93-B29D-0F3ACEB46DAC}">
-      <dsp:nvSpPr>
-        <dsp:cNvPr id="0" name=""/>
-        <dsp:cNvSpPr/>
-      </dsp:nvSpPr>
-      <dsp:spPr>
-        <a:xfrm>
-          <a:off x="2673296" y="1430"/>
-          <a:ext cx="1566173" cy="1566173"/>
-        </a:xfrm>
-        <a:prstGeom prst="ellipse">
-          <a:avLst/>
-        </a:prstGeom>
-        <a:solidFill>
-          <a:schemeClr val="lt1">
-            <a:hueOff val="0"/>
-            <a:satOff val="0"/>
-            <a:lumOff val="0"/>
-            <a:alphaOff val="0"/>
-          </a:schemeClr>
-        </a:solidFill>
-        <a:ln w="25400" cap="flat" cmpd="sng" algn="ctr">
-          <a:solidFill>
-            <a:schemeClr val="accent6">
-              <a:shade val="80000"/>
-              <a:hueOff val="0"/>
-              <a:satOff val="0"/>
-              <a:lumOff val="0"/>
-              <a:alphaOff val="0"/>
-            </a:schemeClr>
-          </a:solidFill>
-          <a:prstDash val="solid"/>
-        </a:ln>
-        <a:effectLst/>
-      </dsp:spPr>
-      <dsp:style>
-        <a:lnRef idx="2">
-          <a:scrgbClr r="0" g="0" b="0"/>
-        </a:lnRef>
-        <a:fillRef idx="1">
-          <a:scrgbClr r="0" g="0" b="0"/>
-        </a:fillRef>
-        <a:effectRef idx="0">
-          <a:scrgbClr r="0" g="0" b="0"/>
-        </a:effectRef>
-        <a:fontRef idx="minor">
-          <a:schemeClr val="lt1"/>
-        </a:fontRef>
-      </dsp:style>
-      <dsp:txBody>
-        <a:bodyPr spcFirstLastPara="0" vert="horz" wrap="square" lIns="22860" tIns="22860" rIns="22860" bIns="22860" numCol="1" spcCol="1270" anchor="ctr" anchorCtr="0">
-          <a:noAutofit/>
-        </a:bodyPr>
-        <a:lstStyle/>
-        <a:p>
-          <a:pPr lvl="0" algn="ctr" defTabSz="800100">
-            <a:lnSpc>
-              <a:spcPct val="90000"/>
-            </a:lnSpc>
-            <a:spcBef>
-              <a:spcPct val="0"/>
-            </a:spcBef>
-            <a:spcAft>
-              <a:spcPct val="35000"/>
-            </a:spcAft>
-          </a:pPr>
-          <a:r>
-            <a:rPr lang="en-US" sz="1800" b="0" kern="1200" dirty="0" smtClean="0"/>
-            <a:t>Design</a:t>
-          </a:r>
-          <a:endParaRPr lang="ru-RU" sz="1800" b="0" kern="1200" dirty="0"/>
-        </a:p>
-      </dsp:txBody>
-      <dsp:txXfrm>
-        <a:off x="2902657" y="230791"/>
-        <a:ext cx="1107451" cy="1107451"/>
-      </dsp:txXfrm>
-    </dsp:sp>
-    <dsp:sp modelId="{6D3E105C-5DA2-4D30-8D94-9DF04996ED43}">
-      <dsp:nvSpPr>
-        <dsp:cNvPr id="0" name=""/>
-        <dsp:cNvSpPr/>
-      </dsp:nvSpPr>
-      <dsp:spPr>
-        <a:xfrm rot="2700000">
-          <a:off x="4071433" y="1343758"/>
-          <a:ext cx="416967" cy="528583"/>
-        </a:xfrm>
-        <a:prstGeom prst="rightArrow">
-          <a:avLst>
-            <a:gd name="adj1" fmla="val 60000"/>
-            <a:gd name="adj2" fmla="val 50000"/>
-          </a:avLst>
-        </a:prstGeom>
-        <a:solidFill>
-          <a:schemeClr val="accent6">
-            <a:tint val="60000"/>
-            <a:hueOff val="0"/>
-            <a:satOff val="0"/>
-            <a:lumOff val="0"/>
-            <a:alphaOff val="0"/>
-          </a:schemeClr>
-        </a:solidFill>
-        <a:ln>
-          <a:noFill/>
-        </a:ln>
-        <a:effectLst/>
-      </dsp:spPr>
-      <dsp:style>
-        <a:lnRef idx="0">
-          <a:scrgbClr r="0" g="0" b="0"/>
-        </a:lnRef>
-        <a:fillRef idx="1">
-          <a:scrgbClr r="0" g="0" b="0"/>
-        </a:fillRef>
-        <a:effectRef idx="0">
-          <a:scrgbClr r="0" g="0" b="0"/>
-        </a:effectRef>
-        <a:fontRef idx="minor">
-          <a:schemeClr val="lt1"/>
-        </a:fontRef>
-      </dsp:style>
-      <dsp:txBody>
-        <a:bodyPr spcFirstLastPara="0" vert="horz" wrap="square" lIns="0" tIns="0" rIns="0" bIns="0" numCol="1" spcCol="1270" anchor="ctr" anchorCtr="0">
-          <a:noAutofit/>
-        </a:bodyPr>
-        <a:lstStyle/>
-        <a:p>
-          <a:pPr lvl="0" algn="ctr" defTabSz="622300">
-            <a:lnSpc>
-              <a:spcPct val="90000"/>
-            </a:lnSpc>
-            <a:spcBef>
-              <a:spcPct val="0"/>
-            </a:spcBef>
-            <a:spcAft>
-              <a:spcPct val="35000"/>
-            </a:spcAft>
-          </a:pPr>
-          <a:endParaRPr lang="ru-RU" sz="1400" kern="1200"/>
-        </a:p>
-      </dsp:txBody>
-      <dsp:txXfrm>
-        <a:off x="4089752" y="1405249"/>
-        <a:ext cx="291877" cy="317149"/>
-      </dsp:txXfrm>
-    </dsp:sp>
-    <dsp:sp modelId="{2DF0FCB7-52AA-4542-9718-42FC9EEBFEA0}">
-      <dsp:nvSpPr>
-        <dsp:cNvPr id="0" name=""/>
-        <dsp:cNvSpPr/>
-      </dsp:nvSpPr>
-      <dsp:spPr>
-        <a:xfrm>
-          <a:off x="4337051" y="1665184"/>
-          <a:ext cx="1566173" cy="1566173"/>
-        </a:xfrm>
-        <a:prstGeom prst="ellipse">
-          <a:avLst/>
-        </a:prstGeom>
-        <a:solidFill>
-          <a:schemeClr val="accent2"/>
-        </a:solidFill>
-        <a:ln w="25400" cap="flat" cmpd="sng" algn="ctr">
-          <a:solidFill>
-            <a:schemeClr val="accent2">
-              <a:shade val="50000"/>
-            </a:schemeClr>
-          </a:solidFill>
-          <a:prstDash val="solid"/>
-        </a:ln>
-        <a:effectLst/>
-      </dsp:spPr>
-      <dsp:style>
-        <a:lnRef idx="2">
-          <a:schemeClr val="accent2">
-            <a:shade val="50000"/>
-          </a:schemeClr>
-        </a:lnRef>
-        <a:fillRef idx="1">
-          <a:schemeClr val="accent2"/>
-        </a:fillRef>
-        <a:effectRef idx="0">
-          <a:schemeClr val="accent2"/>
-        </a:effectRef>
-        <a:fontRef idx="minor">
-          <a:schemeClr val="lt1"/>
-        </a:fontRef>
-      </dsp:style>
-      <dsp:txBody>
-        <a:bodyPr spcFirstLastPara="0" vert="horz" wrap="square" lIns="22860" tIns="22860" rIns="22860" bIns="22860" numCol="1" spcCol="1270" anchor="ctr" anchorCtr="0">
-          <a:noAutofit/>
-        </a:bodyPr>
-        <a:lstStyle/>
-        <a:p>
-          <a:pPr lvl="0" algn="ctr" defTabSz="800100">
-            <a:lnSpc>
-              <a:spcPct val="90000"/>
-            </a:lnSpc>
-            <a:spcBef>
-              <a:spcPct val="0"/>
-            </a:spcBef>
-            <a:spcAft>
-              <a:spcPct val="35000"/>
-            </a:spcAft>
-          </a:pPr>
-          <a:r>
-            <a:rPr lang="en-US" sz="1800" b="0" kern="1200" dirty="0" smtClean="0"/>
-            <a:t>Test</a:t>
-          </a:r>
-          <a:endParaRPr lang="ru-RU" sz="1800" b="0" kern="1200" dirty="0"/>
-        </a:p>
-      </dsp:txBody>
-      <dsp:txXfrm>
-        <a:off x="4566412" y="1894545"/>
-        <a:ext cx="1107451" cy="1107451"/>
-      </dsp:txXfrm>
-    </dsp:sp>
-    <dsp:sp modelId="{7815476A-849A-446F-8EB7-4348A1D65EFF}">
-      <dsp:nvSpPr>
-        <dsp:cNvPr id="0" name=""/>
-        <dsp:cNvSpPr/>
-      </dsp:nvSpPr>
-      <dsp:spPr>
-        <a:xfrm rot="8100000">
-          <a:off x="4088122" y="3007513"/>
-          <a:ext cx="416967" cy="528583"/>
-        </a:xfrm>
-        <a:prstGeom prst="rightArrow">
-          <a:avLst>
-            <a:gd name="adj1" fmla="val 60000"/>
-            <a:gd name="adj2" fmla="val 50000"/>
-          </a:avLst>
-        </a:prstGeom>
-        <a:solidFill>
-          <a:schemeClr val="accent6">
-            <a:tint val="60000"/>
-            <a:hueOff val="0"/>
-            <a:satOff val="0"/>
-            <a:lumOff val="0"/>
-            <a:alphaOff val="0"/>
-          </a:schemeClr>
-        </a:solidFill>
-        <a:ln>
-          <a:noFill/>
-        </a:ln>
-        <a:effectLst/>
-      </dsp:spPr>
-      <dsp:style>
-        <a:lnRef idx="0">
-          <a:scrgbClr r="0" g="0" b="0"/>
-        </a:lnRef>
-        <a:fillRef idx="1">
-          <a:scrgbClr r="0" g="0" b="0"/>
-        </a:fillRef>
-        <a:effectRef idx="0">
-          <a:scrgbClr r="0" g="0" b="0"/>
-        </a:effectRef>
-        <a:fontRef idx="minor">
-          <a:schemeClr val="lt1"/>
-        </a:fontRef>
-      </dsp:style>
-      <dsp:txBody>
-        <a:bodyPr spcFirstLastPara="0" vert="horz" wrap="square" lIns="0" tIns="0" rIns="0" bIns="0" numCol="1" spcCol="1270" anchor="ctr" anchorCtr="0">
-          <a:noAutofit/>
-        </a:bodyPr>
-        <a:lstStyle/>
-        <a:p>
-          <a:pPr lvl="0" algn="ctr" defTabSz="622300">
-            <a:lnSpc>
-              <a:spcPct val="90000"/>
-            </a:lnSpc>
-            <a:spcBef>
-              <a:spcPct val="0"/>
-            </a:spcBef>
-            <a:spcAft>
-              <a:spcPct val="35000"/>
-            </a:spcAft>
-          </a:pPr>
-          <a:endParaRPr lang="ru-RU" sz="1400" kern="1200"/>
-        </a:p>
-      </dsp:txBody>
-      <dsp:txXfrm rot="10800000">
-        <a:off x="4194893" y="3069004"/>
-        <a:ext cx="291877" cy="317149"/>
-      </dsp:txXfrm>
-    </dsp:sp>
-    <dsp:sp modelId="{573D47CC-AE97-4FAA-8E6A-826D90755EB4}">
-      <dsp:nvSpPr>
-        <dsp:cNvPr id="0" name=""/>
-        <dsp:cNvSpPr/>
-      </dsp:nvSpPr>
-      <dsp:spPr>
-        <a:xfrm>
-          <a:off x="2673297" y="3328939"/>
-          <a:ext cx="1566173" cy="1566173"/>
-        </a:xfrm>
-        <a:prstGeom prst="ellipse">
-          <a:avLst/>
-        </a:prstGeom>
-        <a:solidFill>
-          <a:schemeClr val="lt1">
-            <a:hueOff val="0"/>
-            <a:satOff val="0"/>
-            <a:lumOff val="0"/>
-            <a:alphaOff val="0"/>
-          </a:schemeClr>
-        </a:solidFill>
-        <a:ln w="25400" cap="flat" cmpd="sng" algn="ctr">
-          <a:solidFill>
-            <a:schemeClr val="accent6">
-              <a:shade val="80000"/>
-              <a:hueOff val="0"/>
-              <a:satOff val="0"/>
-              <a:lumOff val="0"/>
-              <a:alphaOff val="0"/>
-            </a:schemeClr>
-          </a:solidFill>
-          <a:prstDash val="solid"/>
-        </a:ln>
-        <a:effectLst/>
-      </dsp:spPr>
-      <dsp:style>
-        <a:lnRef idx="2">
-          <a:scrgbClr r="0" g="0" b="0"/>
-        </a:lnRef>
-        <a:fillRef idx="1">
-          <a:scrgbClr r="0" g="0" b="0"/>
-        </a:fillRef>
-        <a:effectRef idx="0">
-          <a:scrgbClr r="0" g="0" b="0"/>
-        </a:effectRef>
-        <a:fontRef idx="minor">
-          <a:schemeClr val="lt1"/>
-        </a:fontRef>
-      </dsp:style>
-      <dsp:txBody>
-        <a:bodyPr spcFirstLastPara="0" vert="horz" wrap="square" lIns="22860" tIns="22860" rIns="22860" bIns="22860" numCol="1" spcCol="1270" anchor="ctr" anchorCtr="0">
-          <a:noAutofit/>
-        </a:bodyPr>
-        <a:lstStyle/>
-        <a:p>
-          <a:pPr lvl="0" algn="ctr" defTabSz="800100">
-            <a:lnSpc>
-              <a:spcPct val="90000"/>
-            </a:lnSpc>
-            <a:spcBef>
-              <a:spcPct val="0"/>
-            </a:spcBef>
-            <a:spcAft>
-              <a:spcPct val="35000"/>
-            </a:spcAft>
-          </a:pPr>
-          <a:r>
-            <a:rPr lang="en-US" sz="1800" b="0" kern="1200" dirty="0" smtClean="0"/>
-            <a:t>Implement</a:t>
-          </a:r>
-          <a:endParaRPr lang="ru-RU" sz="1800" b="0" kern="1200" dirty="0"/>
-        </a:p>
-      </dsp:txBody>
-      <dsp:txXfrm>
-        <a:off x="2902658" y="3558300"/>
-        <a:ext cx="1107451" cy="1107451"/>
-      </dsp:txXfrm>
-    </dsp:sp>
-    <dsp:sp modelId="{C53B6C48-0F28-4C30-8317-F4779C05F5E1}">
-      <dsp:nvSpPr>
-        <dsp:cNvPr id="0" name=""/>
-        <dsp:cNvSpPr/>
-      </dsp:nvSpPr>
-      <dsp:spPr>
-        <a:xfrm rot="13500000">
-          <a:off x="2424367" y="3024202"/>
-          <a:ext cx="416967" cy="528583"/>
-        </a:xfrm>
-        <a:prstGeom prst="rightArrow">
-          <a:avLst>
-            <a:gd name="adj1" fmla="val 60000"/>
-            <a:gd name="adj2" fmla="val 50000"/>
-          </a:avLst>
-        </a:prstGeom>
-        <a:solidFill>
-          <a:schemeClr val="accent6">
-            <a:tint val="60000"/>
-            <a:hueOff val="0"/>
-            <a:satOff val="0"/>
-            <a:lumOff val="0"/>
-            <a:alphaOff val="0"/>
-          </a:schemeClr>
-        </a:solidFill>
-        <a:ln>
-          <a:noFill/>
-        </a:ln>
-        <a:effectLst/>
-      </dsp:spPr>
-      <dsp:style>
-        <a:lnRef idx="0">
-          <a:scrgbClr r="0" g="0" b="0"/>
-        </a:lnRef>
-        <a:fillRef idx="1">
-          <a:scrgbClr r="0" g="0" b="0"/>
-        </a:fillRef>
-        <a:effectRef idx="0">
-          <a:scrgbClr r="0" g="0" b="0"/>
-        </a:effectRef>
-        <a:fontRef idx="minor">
-          <a:schemeClr val="lt1"/>
-        </a:fontRef>
-      </dsp:style>
-      <dsp:txBody>
-        <a:bodyPr spcFirstLastPara="0" vert="horz" wrap="square" lIns="0" tIns="0" rIns="0" bIns="0" numCol="1" spcCol="1270" anchor="ctr" anchorCtr="0">
-          <a:noAutofit/>
-        </a:bodyPr>
-        <a:lstStyle/>
-        <a:p>
-          <a:pPr lvl="0" algn="ctr" defTabSz="622300">
-            <a:lnSpc>
-              <a:spcPct val="90000"/>
-            </a:lnSpc>
-            <a:spcBef>
-              <a:spcPct val="0"/>
-            </a:spcBef>
-            <a:spcAft>
-              <a:spcPct val="35000"/>
-            </a:spcAft>
-          </a:pPr>
-          <a:endParaRPr lang="ru-RU" sz="1400" kern="1200"/>
-        </a:p>
-      </dsp:txBody>
-      <dsp:txXfrm rot="10800000">
-        <a:off x="2531138" y="3174145"/>
-        <a:ext cx="291877" cy="317149"/>
-      </dsp:txXfrm>
-    </dsp:sp>
-    <dsp:sp modelId="{11B4CBC4-AE1C-4904-826E-3BD4011B5EF6}">
-      <dsp:nvSpPr>
-        <dsp:cNvPr id="0" name=""/>
-        <dsp:cNvSpPr/>
-      </dsp:nvSpPr>
-      <dsp:spPr>
-        <a:xfrm>
-          <a:off x="1009542" y="1665185"/>
-          <a:ext cx="1566173" cy="1566173"/>
-        </a:xfrm>
-        <a:prstGeom prst="ellipse">
-          <a:avLst/>
-        </a:prstGeom>
-        <a:solidFill>
-          <a:schemeClr val="accent3"/>
-        </a:solidFill>
-        <a:ln w="25400" cap="flat" cmpd="sng" algn="ctr">
-          <a:solidFill>
-            <a:schemeClr val="accent3">
-              <a:shade val="50000"/>
-            </a:schemeClr>
-          </a:solidFill>
-          <a:prstDash val="solid"/>
-        </a:ln>
-        <a:effectLst/>
-      </dsp:spPr>
-      <dsp:style>
-        <a:lnRef idx="2">
-          <a:schemeClr val="accent3">
-            <a:shade val="50000"/>
-          </a:schemeClr>
-        </a:lnRef>
-        <a:fillRef idx="1">
-          <a:schemeClr val="accent3"/>
-        </a:fillRef>
-        <a:effectRef idx="0">
-          <a:schemeClr val="accent3"/>
-        </a:effectRef>
-        <a:fontRef idx="minor">
-          <a:schemeClr val="lt1"/>
-        </a:fontRef>
-      </dsp:style>
-      <dsp:txBody>
-        <a:bodyPr spcFirstLastPara="0" vert="horz" wrap="square" lIns="22860" tIns="22860" rIns="22860" bIns="22860" numCol="1" spcCol="1270" anchor="ctr" anchorCtr="0">
-          <a:noAutofit/>
-        </a:bodyPr>
-        <a:lstStyle/>
-        <a:p>
-          <a:pPr lvl="0" algn="ctr" defTabSz="800100">
-            <a:lnSpc>
-              <a:spcPct val="90000"/>
-            </a:lnSpc>
-            <a:spcBef>
-              <a:spcPct val="0"/>
-            </a:spcBef>
-            <a:spcAft>
-              <a:spcPct val="35000"/>
-            </a:spcAft>
-          </a:pPr>
-          <a:r>
-            <a:rPr lang="en-US" sz="1800" b="0" kern="1200" dirty="0" smtClean="0"/>
-            <a:t>Test</a:t>
-          </a:r>
-          <a:endParaRPr lang="ru-RU" sz="1800" b="0" kern="1200" dirty="0"/>
-        </a:p>
-      </dsp:txBody>
-      <dsp:txXfrm>
-        <a:off x="1238903" y="1894546"/>
-        <a:ext cx="1107451" cy="1107451"/>
-      </dsp:txXfrm>
-    </dsp:sp>
-    <dsp:sp modelId="{78BA696A-C46C-41C3-8979-C51CF44A04E2}">
-      <dsp:nvSpPr>
-        <dsp:cNvPr id="0" name=""/>
-        <dsp:cNvSpPr/>
-      </dsp:nvSpPr>
-      <dsp:spPr>
-        <a:xfrm rot="18900000">
-          <a:off x="2407678" y="1360447"/>
-          <a:ext cx="416967" cy="528583"/>
-        </a:xfrm>
-        <a:prstGeom prst="rightArrow">
-          <a:avLst>
-            <a:gd name="adj1" fmla="val 60000"/>
-            <a:gd name="adj2" fmla="val 50000"/>
-          </a:avLst>
-        </a:prstGeom>
-        <a:solidFill>
-          <a:schemeClr val="accent6">
-            <a:tint val="60000"/>
-            <a:hueOff val="0"/>
-            <a:satOff val="0"/>
-            <a:lumOff val="0"/>
-            <a:alphaOff val="0"/>
-          </a:schemeClr>
-        </a:solidFill>
-        <a:ln>
-          <a:noFill/>
-        </a:ln>
-        <a:effectLst/>
-      </dsp:spPr>
-      <dsp:style>
-        <a:lnRef idx="0">
-          <a:scrgbClr r="0" g="0" b="0"/>
-        </a:lnRef>
-        <a:fillRef idx="1">
-          <a:scrgbClr r="0" g="0" b="0"/>
-        </a:fillRef>
-        <a:effectRef idx="0">
-          <a:scrgbClr r="0" g="0" b="0"/>
-        </a:effectRef>
-        <a:fontRef idx="minor">
-          <a:schemeClr val="lt1"/>
-        </a:fontRef>
-      </dsp:style>
-      <dsp:txBody>
-        <a:bodyPr spcFirstLastPara="0" vert="horz" wrap="square" lIns="0" tIns="0" rIns="0" bIns="0" numCol="1" spcCol="1270" anchor="ctr" anchorCtr="0">
-          <a:noAutofit/>
-        </a:bodyPr>
-        <a:lstStyle/>
-        <a:p>
-          <a:pPr lvl="0" algn="ctr" defTabSz="622300">
-            <a:lnSpc>
-              <a:spcPct val="90000"/>
-            </a:lnSpc>
-            <a:spcBef>
-              <a:spcPct val="0"/>
-            </a:spcBef>
-            <a:spcAft>
-              <a:spcPct val="35000"/>
-            </a:spcAft>
-          </a:pPr>
-          <a:endParaRPr lang="ru-RU" sz="1400" kern="1200"/>
-        </a:p>
-      </dsp:txBody>
-      <dsp:txXfrm>
-        <a:off x="2425997" y="1510390"/>
-        <a:ext cx="291877" cy="317149"/>
-      </dsp:txXfrm>
-    </dsp:sp>
   </dsp:spTree>
 </dsp:drawing>
 </file>
@@ -8431,7 +7501,7 @@
           <a:p>
             <a:fld id="{16E5F246-0B7D-44DF-8C1B-EDFCA5DA626A}" type="datetimeFigureOut">
               <a:rPr lang="ru-RU" smtClean="0"/>
-              <a:t>23.06.2014</a:t>
+              <a:t>30.06.2014</a:t>
             </a:fld>
             <a:endParaRPr lang="ru-RU"/>
           </a:p>
@@ -9068,7 +8138,7 @@
           <a:p>
             <a:fld id="{ED7A5A9E-355E-4F5A-82F5-195339D13266}" type="datetimeFigureOut">
               <a:rPr lang="ru-RU" smtClean="0"/>
-              <a:t>23.06.2014</a:t>
+              <a:t>30.06.2014</a:t>
             </a:fld>
             <a:endParaRPr lang="ru-RU"/>
           </a:p>
@@ -9238,7 +8308,7 @@
           <a:p>
             <a:fld id="{ED7A5A9E-355E-4F5A-82F5-195339D13266}" type="datetimeFigureOut">
               <a:rPr lang="ru-RU" smtClean="0"/>
-              <a:t>23.06.2014</a:t>
+              <a:t>30.06.2014</a:t>
             </a:fld>
             <a:endParaRPr lang="ru-RU"/>
           </a:p>
@@ -9418,7 +8488,7 @@
           <a:p>
             <a:fld id="{ED7A5A9E-355E-4F5A-82F5-195339D13266}" type="datetimeFigureOut">
               <a:rPr lang="ru-RU" smtClean="0"/>
-              <a:t>23.06.2014</a:t>
+              <a:t>30.06.2014</a:t>
             </a:fld>
             <a:endParaRPr lang="ru-RU"/>
           </a:p>
@@ -9588,7 +8658,7 @@
           <a:p>
             <a:fld id="{ED7A5A9E-355E-4F5A-82F5-195339D13266}" type="datetimeFigureOut">
               <a:rPr lang="ru-RU" smtClean="0"/>
-              <a:t>23.06.2014</a:t>
+              <a:t>30.06.2014</a:t>
             </a:fld>
             <a:endParaRPr lang="ru-RU"/>
           </a:p>
@@ -9834,7 +8904,7 @@
           <a:p>
             <a:fld id="{ED7A5A9E-355E-4F5A-82F5-195339D13266}" type="datetimeFigureOut">
               <a:rPr lang="ru-RU" smtClean="0"/>
-              <a:t>23.06.2014</a:t>
+              <a:t>30.06.2014</a:t>
             </a:fld>
             <a:endParaRPr lang="ru-RU"/>
           </a:p>
@@ -10122,7 +9192,7 @@
           <a:p>
             <a:fld id="{ED7A5A9E-355E-4F5A-82F5-195339D13266}" type="datetimeFigureOut">
               <a:rPr lang="ru-RU" smtClean="0"/>
-              <a:t>23.06.2014</a:t>
+              <a:t>30.06.2014</a:t>
             </a:fld>
             <a:endParaRPr lang="ru-RU"/>
           </a:p>
@@ -10544,7 +9614,7 @@
           <a:p>
             <a:fld id="{ED7A5A9E-355E-4F5A-82F5-195339D13266}" type="datetimeFigureOut">
               <a:rPr lang="ru-RU" smtClean="0"/>
-              <a:t>23.06.2014</a:t>
+              <a:t>30.06.2014</a:t>
             </a:fld>
             <a:endParaRPr lang="ru-RU"/>
           </a:p>
@@ -10662,7 +9732,7 @@
           <a:p>
             <a:fld id="{ED7A5A9E-355E-4F5A-82F5-195339D13266}" type="datetimeFigureOut">
               <a:rPr lang="ru-RU" smtClean="0"/>
-              <a:t>23.06.2014</a:t>
+              <a:t>30.06.2014</a:t>
             </a:fld>
             <a:endParaRPr lang="ru-RU"/>
           </a:p>
@@ -10757,7 +9827,7 @@
           <a:p>
             <a:fld id="{ED7A5A9E-355E-4F5A-82F5-195339D13266}" type="datetimeFigureOut">
               <a:rPr lang="ru-RU" smtClean="0"/>
-              <a:t>23.06.2014</a:t>
+              <a:t>30.06.2014</a:t>
             </a:fld>
             <a:endParaRPr lang="ru-RU"/>
           </a:p>
@@ -11034,7 +10104,7 @@
           <a:p>
             <a:fld id="{ED7A5A9E-355E-4F5A-82F5-195339D13266}" type="datetimeFigureOut">
               <a:rPr lang="ru-RU" smtClean="0"/>
-              <a:t>23.06.2014</a:t>
+              <a:t>30.06.2014</a:t>
             </a:fld>
             <a:endParaRPr lang="ru-RU"/>
           </a:p>
@@ -11287,7 +10357,7 @@
           <a:p>
             <a:fld id="{ED7A5A9E-355E-4F5A-82F5-195339D13266}" type="datetimeFigureOut">
               <a:rPr lang="ru-RU" smtClean="0"/>
-              <a:t>23.06.2014</a:t>
+              <a:t>30.06.2014</a:t>
             </a:fld>
             <a:endParaRPr lang="ru-RU"/>
           </a:p>
@@ -11500,7 +10570,7 @@
           <a:p>
             <a:fld id="{ED7A5A9E-355E-4F5A-82F5-195339D13266}" type="datetimeFigureOut">
               <a:rPr lang="ru-RU" smtClean="0"/>
-              <a:t>23.06.2014</a:t>
+              <a:t>30.06.2014</a:t>
             </a:fld>
             <a:endParaRPr lang="ru-RU"/>
           </a:p>
@@ -11916,12 +10986,12 @@
           <a:lstStyle/>
           <a:p>
             <a:r>
-              <a:rPr lang="ru-RU" dirty="0" err="1" smtClean="0"/>
-              <a:t>Креш</a:t>
-            </a:r>
-            <a:r>
               <a:rPr lang="ru-RU" dirty="0" smtClean="0"/>
-              <a:t>-курс стажеров, июль 2014</a:t>
+              <a:t>Крешкурс </a:t>
+            </a:r>
+            <a:r>
+              <a:rPr lang="ru-RU" dirty="0" smtClean="0"/>
+              <a:t>стажеров, июль 2014</a:t>
             </a:r>
             <a:endParaRPr lang="ru-RU" dirty="0"/>
           </a:p>
@@ -12126,11 +11196,7 @@
           <a:p>
             <a:r>
               <a:rPr lang="ru-RU" dirty="0" smtClean="0"/>
-              <a:t>«Тесты? Нет, не хватило времени</a:t>
-            </a:r>
-            <a:r>
-              <a:rPr lang="ru-RU" dirty="0" smtClean="0"/>
-              <a:t>…»</a:t>
+              <a:t>«Тесты? Нет, не хватило времени…»</a:t>
             </a:r>
           </a:p>
           <a:p>
@@ -12138,7 +11204,6 @@
               <a:rPr lang="ru-RU" dirty="0" smtClean="0"/>
               <a:t>Тест — пример использования, по которому удобно сгенерировать нужный код</a:t>
             </a:r>
-            <a:endParaRPr lang="ru-RU" dirty="0" smtClean="0"/>
           </a:p>
           <a:p>
             <a:endParaRPr lang="ru-RU" dirty="0" smtClean="0"/>
@@ -12587,11 +11652,7 @@
           <a:p>
             <a:r>
               <a:rPr lang="en-US" dirty="0" smtClean="0"/>
-              <a:t>Duct-tape </a:t>
-            </a:r>
-            <a:r>
-              <a:rPr lang="en-US" dirty="0" smtClean="0"/>
-              <a:t>programming</a:t>
+              <a:t>Duct-tape programming</a:t>
             </a:r>
           </a:p>
           <a:p>
@@ -14354,11 +13415,7 @@
           <a:p>
             <a:r>
               <a:rPr lang="ru-RU" dirty="0" smtClean="0"/>
-              <a:t>Анатомия </a:t>
-            </a:r>
-            <a:r>
-              <a:rPr lang="ru-RU" dirty="0" smtClean="0"/>
-              <a:t>теста</a:t>
+              <a:t>Анатомия теста</a:t>
             </a:r>
             <a:endParaRPr lang="ru-RU" dirty="0"/>
           </a:p>

--- a/01-CleanCode/Testing.pptx
+++ b/01-CleanCode/Testing.pptx
@@ -5,26 +5,25 @@
     <p:sldMasterId id="2147483780" r:id="rId1"/>
   </p:sldMasterIdLst>
   <p:notesMasterIdLst>
-    <p:notesMasterId r:id="rId19"/>
+    <p:notesMasterId r:id="rId18"/>
   </p:notesMasterIdLst>
   <p:sldIdLst>
     <p:sldId id="256" r:id="rId2"/>
     <p:sldId id="257" r:id="rId3"/>
     <p:sldId id="258" r:id="rId4"/>
-    <p:sldId id="300" r:id="rId5"/>
-    <p:sldId id="302" r:id="rId6"/>
-    <p:sldId id="303" r:id="rId7"/>
+    <p:sldId id="303" r:id="rId5"/>
+    <p:sldId id="300" r:id="rId6"/>
+    <p:sldId id="302" r:id="rId7"/>
     <p:sldId id="299" r:id="rId8"/>
     <p:sldId id="265" r:id="rId9"/>
     <p:sldId id="269" r:id="rId10"/>
     <p:sldId id="268" r:id="rId11"/>
     <p:sldId id="277" r:id="rId12"/>
-    <p:sldId id="270" r:id="rId13"/>
-    <p:sldId id="261" r:id="rId14"/>
-    <p:sldId id="295" r:id="rId15"/>
-    <p:sldId id="281" r:id="rId16"/>
-    <p:sldId id="280" r:id="rId17"/>
-    <p:sldId id="301" r:id="rId18"/>
+    <p:sldId id="261" r:id="rId13"/>
+    <p:sldId id="295" r:id="rId14"/>
+    <p:sldId id="281" r:id="rId15"/>
+    <p:sldId id="280" r:id="rId16"/>
+    <p:sldId id="301" r:id="rId17"/>
   </p:sldIdLst>
   <p:sldSz cx="9144000" cy="6858000" type="screen4x3"/>
   <p:notesSz cx="6858000" cy="9144000"/>
@@ -3782,6 +3781,362 @@
       <dsp:cNvGrpSpPr/>
     </dsp:nvGrpSpPr>
     <dsp:grpSpPr/>
+    <dsp:sp modelId="{45185E42-D2A9-4533-9B0E-EFBC92B60B3C}">
+      <dsp:nvSpPr>
+        <dsp:cNvPr id="0" name=""/>
+        <dsp:cNvSpPr/>
+      </dsp:nvSpPr>
+      <dsp:spPr>
+        <a:xfrm>
+          <a:off x="594065" y="0"/>
+          <a:ext cx="6732748" cy="4624288"/>
+        </a:xfrm>
+        <a:prstGeom prst="rightArrow">
+          <a:avLst/>
+        </a:prstGeom>
+        <a:solidFill>
+          <a:schemeClr val="accent6">
+            <a:tint val="40000"/>
+            <a:hueOff val="0"/>
+            <a:satOff val="0"/>
+            <a:lumOff val="0"/>
+            <a:alphaOff val="0"/>
+          </a:schemeClr>
+        </a:solidFill>
+        <a:ln>
+          <a:noFill/>
+        </a:ln>
+        <a:effectLst/>
+      </dsp:spPr>
+      <dsp:style>
+        <a:lnRef idx="0">
+          <a:scrgbClr r="0" g="0" b="0"/>
+        </a:lnRef>
+        <a:fillRef idx="1">
+          <a:scrgbClr r="0" g="0" b="0"/>
+        </a:fillRef>
+        <a:effectRef idx="0">
+          <a:scrgbClr r="0" g="0" b="0"/>
+        </a:effectRef>
+        <a:fontRef idx="minor"/>
+      </dsp:style>
+    </dsp:sp>
+    <dsp:sp modelId="{E22DAE34-AD1D-4430-9ABA-BFC79EBEA14B}">
+      <dsp:nvSpPr>
+        <dsp:cNvPr id="0" name=""/>
+        <dsp:cNvSpPr/>
+      </dsp:nvSpPr>
+      <dsp:spPr>
+        <a:xfrm>
+          <a:off x="2961" y="1387286"/>
+          <a:ext cx="1858359" cy="1849715"/>
+        </a:xfrm>
+        <a:prstGeom prst="roundRect">
+          <a:avLst/>
+        </a:prstGeom>
+        <a:solidFill>
+          <a:schemeClr val="lt1">
+            <a:hueOff val="0"/>
+            <a:satOff val="0"/>
+            <a:lumOff val="0"/>
+            <a:alphaOff val="0"/>
+          </a:schemeClr>
+        </a:solidFill>
+        <a:ln w="25400" cap="flat" cmpd="sng" algn="ctr">
+          <a:solidFill>
+            <a:schemeClr val="accent6">
+              <a:shade val="80000"/>
+              <a:hueOff val="0"/>
+              <a:satOff val="0"/>
+              <a:lumOff val="0"/>
+              <a:alphaOff val="0"/>
+            </a:schemeClr>
+          </a:solidFill>
+          <a:prstDash val="solid"/>
+        </a:ln>
+        <a:effectLst/>
+      </dsp:spPr>
+      <dsp:style>
+        <a:lnRef idx="2">
+          <a:scrgbClr r="0" g="0" b="0"/>
+        </a:lnRef>
+        <a:fillRef idx="1">
+          <a:scrgbClr r="0" g="0" b="0"/>
+        </a:fillRef>
+        <a:effectRef idx="0">
+          <a:scrgbClr r="0" g="0" b="0"/>
+        </a:effectRef>
+        <a:fontRef idx="minor">
+          <a:schemeClr val="lt1"/>
+        </a:fontRef>
+      </dsp:style>
+      <dsp:txBody>
+        <a:bodyPr spcFirstLastPara="0" vert="horz" wrap="square" lIns="95250" tIns="95250" rIns="95250" bIns="95250" numCol="1" spcCol="1270" anchor="ctr" anchorCtr="0">
+          <a:noAutofit/>
+        </a:bodyPr>
+        <a:lstStyle/>
+        <a:p>
+          <a:pPr lvl="0" algn="ctr" defTabSz="1111250">
+            <a:lnSpc>
+              <a:spcPct val="90000"/>
+            </a:lnSpc>
+            <a:spcBef>
+              <a:spcPct val="0"/>
+            </a:spcBef>
+            <a:spcAft>
+              <a:spcPct val="35000"/>
+            </a:spcAft>
+          </a:pPr>
+          <a:r>
+            <a:rPr lang="en-US" sz="2500" kern="1200" dirty="0" smtClean="0"/>
+            <a:t>Design</a:t>
+          </a:r>
+          <a:endParaRPr lang="ru-RU" sz="2500" kern="1200" dirty="0"/>
+        </a:p>
+      </dsp:txBody>
+      <dsp:txXfrm>
+        <a:off x="93257" y="1477582"/>
+        <a:ext cx="1677767" cy="1669123"/>
+      </dsp:txXfrm>
+    </dsp:sp>
+    <dsp:sp modelId="{695C9CA5-3812-43E5-B90C-7137DF8FC033}">
+      <dsp:nvSpPr>
+        <dsp:cNvPr id="0" name=""/>
+        <dsp:cNvSpPr/>
+      </dsp:nvSpPr>
+      <dsp:spPr>
+        <a:xfrm>
+          <a:off x="2021827" y="1387286"/>
+          <a:ext cx="1858359" cy="1849715"/>
+        </a:xfrm>
+        <a:prstGeom prst="roundRect">
+          <a:avLst/>
+        </a:prstGeom>
+        <a:solidFill>
+          <a:schemeClr val="accent2"/>
+        </a:solidFill>
+        <a:ln w="25400" cap="flat" cmpd="sng" algn="ctr">
+          <a:solidFill>
+            <a:schemeClr val="accent2">
+              <a:shade val="50000"/>
+            </a:schemeClr>
+          </a:solidFill>
+          <a:prstDash val="solid"/>
+        </a:ln>
+        <a:effectLst/>
+      </dsp:spPr>
+      <dsp:style>
+        <a:lnRef idx="2">
+          <a:schemeClr val="accent2">
+            <a:shade val="50000"/>
+          </a:schemeClr>
+        </a:lnRef>
+        <a:fillRef idx="1">
+          <a:schemeClr val="accent2"/>
+        </a:fillRef>
+        <a:effectRef idx="0">
+          <a:schemeClr val="accent2"/>
+        </a:effectRef>
+        <a:fontRef idx="minor">
+          <a:schemeClr val="lt1"/>
+        </a:fontRef>
+      </dsp:style>
+      <dsp:txBody>
+        <a:bodyPr spcFirstLastPara="0" vert="horz" wrap="square" lIns="95250" tIns="95250" rIns="95250" bIns="95250" numCol="1" spcCol="1270" anchor="ctr" anchorCtr="0">
+          <a:noAutofit/>
+        </a:bodyPr>
+        <a:lstStyle/>
+        <a:p>
+          <a:pPr lvl="0" algn="ctr" defTabSz="1111250">
+            <a:lnSpc>
+              <a:spcPct val="90000"/>
+            </a:lnSpc>
+            <a:spcBef>
+              <a:spcPct val="0"/>
+            </a:spcBef>
+            <a:spcAft>
+              <a:spcPct val="35000"/>
+            </a:spcAft>
+          </a:pPr>
+          <a:r>
+            <a:rPr lang="en-US" sz="2500" b="1" kern="1200" dirty="0" smtClean="0"/>
+            <a:t>Test</a:t>
+          </a:r>
+          <a:endParaRPr lang="ru-RU" sz="2500" b="1" kern="1200" dirty="0"/>
+        </a:p>
+      </dsp:txBody>
+      <dsp:txXfrm>
+        <a:off x="2112123" y="1477582"/>
+        <a:ext cx="1677767" cy="1669123"/>
+      </dsp:txXfrm>
+    </dsp:sp>
+    <dsp:sp modelId="{8C21F85B-007E-4A5B-8C96-8EE0909CCE0F}">
+      <dsp:nvSpPr>
+        <dsp:cNvPr id="0" name=""/>
+        <dsp:cNvSpPr/>
+      </dsp:nvSpPr>
+      <dsp:spPr>
+        <a:xfrm>
+          <a:off x="4040693" y="1387286"/>
+          <a:ext cx="1858359" cy="1849715"/>
+        </a:xfrm>
+        <a:prstGeom prst="roundRect">
+          <a:avLst/>
+        </a:prstGeom>
+        <a:gradFill rotWithShape="1">
+          <a:gsLst>
+            <a:gs pos="0">
+              <a:schemeClr val="accent6">
+                <a:tint val="50000"/>
+                <a:satMod val="300000"/>
+              </a:schemeClr>
+            </a:gs>
+            <a:gs pos="35000">
+              <a:schemeClr val="accent6">
+                <a:tint val="37000"/>
+                <a:satMod val="300000"/>
+              </a:schemeClr>
+            </a:gs>
+            <a:gs pos="100000">
+              <a:schemeClr val="accent6">
+                <a:tint val="15000"/>
+                <a:satMod val="350000"/>
+              </a:schemeClr>
+            </a:gs>
+          </a:gsLst>
+          <a:lin ang="16200000" scaled="1"/>
+        </a:gradFill>
+        <a:ln w="9525" cap="flat" cmpd="sng" algn="ctr">
+          <a:solidFill>
+            <a:schemeClr val="accent6">
+              <a:shade val="95000"/>
+              <a:satMod val="105000"/>
+            </a:schemeClr>
+          </a:solidFill>
+          <a:prstDash val="solid"/>
+        </a:ln>
+        <a:effectLst>
+          <a:outerShdw blurRad="40000" dist="20000" dir="5400000" rotWithShape="0">
+            <a:srgbClr val="000000">
+              <a:alpha val="38000"/>
+            </a:srgbClr>
+          </a:outerShdw>
+        </a:effectLst>
+      </dsp:spPr>
+      <dsp:style>
+        <a:lnRef idx="1">
+          <a:schemeClr val="accent6"/>
+        </a:lnRef>
+        <a:fillRef idx="2">
+          <a:schemeClr val="accent6"/>
+        </a:fillRef>
+        <a:effectRef idx="1">
+          <a:schemeClr val="accent6"/>
+        </a:effectRef>
+        <a:fontRef idx="minor">
+          <a:schemeClr val="dk1"/>
+        </a:fontRef>
+      </dsp:style>
+      <dsp:txBody>
+        <a:bodyPr spcFirstLastPara="0" vert="horz" wrap="square" lIns="95250" tIns="95250" rIns="95250" bIns="95250" numCol="1" spcCol="1270" anchor="ctr" anchorCtr="0">
+          <a:noAutofit/>
+        </a:bodyPr>
+        <a:lstStyle/>
+        <a:p>
+          <a:pPr lvl="0" algn="ctr" defTabSz="1111250">
+            <a:lnSpc>
+              <a:spcPct val="90000"/>
+            </a:lnSpc>
+            <a:spcBef>
+              <a:spcPct val="0"/>
+            </a:spcBef>
+            <a:spcAft>
+              <a:spcPct val="35000"/>
+            </a:spcAft>
+          </a:pPr>
+          <a:r>
+            <a:rPr lang="en-US" sz="2500" b="1" kern="1200" dirty="0" smtClean="0"/>
+            <a:t>Implement</a:t>
+          </a:r>
+          <a:endParaRPr lang="ru-RU" sz="2500" b="1" kern="1200" dirty="0"/>
+        </a:p>
+      </dsp:txBody>
+      <dsp:txXfrm>
+        <a:off x="4130989" y="1477582"/>
+        <a:ext cx="1677767" cy="1669123"/>
+      </dsp:txXfrm>
+    </dsp:sp>
+    <dsp:sp modelId="{9608AAB3-6559-4338-8423-10DD455883B8}">
+      <dsp:nvSpPr>
+        <dsp:cNvPr id="0" name=""/>
+        <dsp:cNvSpPr/>
+      </dsp:nvSpPr>
+      <dsp:spPr>
+        <a:xfrm>
+          <a:off x="6059559" y="1387286"/>
+          <a:ext cx="1858359" cy="1849715"/>
+        </a:xfrm>
+        <a:prstGeom prst="roundRect">
+          <a:avLst/>
+        </a:prstGeom>
+        <a:solidFill>
+          <a:schemeClr val="accent3"/>
+        </a:solidFill>
+        <a:ln w="25400" cap="flat" cmpd="sng" algn="ctr">
+          <a:solidFill>
+            <a:schemeClr val="accent3">
+              <a:shade val="50000"/>
+            </a:schemeClr>
+          </a:solidFill>
+          <a:prstDash val="solid"/>
+        </a:ln>
+        <a:effectLst/>
+      </dsp:spPr>
+      <dsp:style>
+        <a:lnRef idx="2">
+          <a:schemeClr val="accent3">
+            <a:shade val="50000"/>
+          </a:schemeClr>
+        </a:lnRef>
+        <a:fillRef idx="1">
+          <a:schemeClr val="accent3"/>
+        </a:fillRef>
+        <a:effectRef idx="0">
+          <a:schemeClr val="accent3"/>
+        </a:effectRef>
+        <a:fontRef idx="minor">
+          <a:schemeClr val="lt1"/>
+        </a:fontRef>
+      </dsp:style>
+      <dsp:txBody>
+        <a:bodyPr spcFirstLastPara="0" vert="horz" wrap="square" lIns="95250" tIns="95250" rIns="95250" bIns="95250" numCol="1" spcCol="1270" anchor="ctr" anchorCtr="0">
+          <a:noAutofit/>
+        </a:bodyPr>
+        <a:lstStyle/>
+        <a:p>
+          <a:pPr lvl="0" algn="ctr" defTabSz="1111250">
+            <a:lnSpc>
+              <a:spcPct val="90000"/>
+            </a:lnSpc>
+            <a:spcBef>
+              <a:spcPct val="0"/>
+            </a:spcBef>
+            <a:spcAft>
+              <a:spcPct val="35000"/>
+            </a:spcAft>
+          </a:pPr>
+          <a:r>
+            <a:rPr lang="en-US" sz="2500" b="1" kern="1200" dirty="0" smtClean="0"/>
+            <a:t>Test</a:t>
+          </a:r>
+          <a:endParaRPr lang="ru-RU" sz="2500" b="1" kern="1200" dirty="0"/>
+        </a:p>
+      </dsp:txBody>
+      <dsp:txXfrm>
+        <a:off x="6149855" y="1477582"/>
+        <a:ext cx="1677767" cy="1669123"/>
+      </dsp:txXfrm>
+    </dsp:sp>
   </dsp:spTree>
 </dsp:drawing>
 </file>
@@ -3794,6 +4149,580 @@
       <dsp:cNvGrpSpPr/>
     </dsp:nvGrpSpPr>
     <dsp:grpSpPr/>
+    <dsp:sp modelId="{6CFAF0B4-C71D-4C93-B29D-0F3ACEB46DAC}">
+      <dsp:nvSpPr>
+        <dsp:cNvPr id="0" name=""/>
+        <dsp:cNvSpPr/>
+      </dsp:nvSpPr>
+      <dsp:spPr>
+        <a:xfrm>
+          <a:off x="2673296" y="1430"/>
+          <a:ext cx="1566173" cy="1566173"/>
+        </a:xfrm>
+        <a:prstGeom prst="ellipse">
+          <a:avLst/>
+        </a:prstGeom>
+        <a:solidFill>
+          <a:schemeClr val="lt1">
+            <a:hueOff val="0"/>
+            <a:satOff val="0"/>
+            <a:lumOff val="0"/>
+            <a:alphaOff val="0"/>
+          </a:schemeClr>
+        </a:solidFill>
+        <a:ln w="25400" cap="flat" cmpd="sng" algn="ctr">
+          <a:solidFill>
+            <a:schemeClr val="accent6">
+              <a:shade val="80000"/>
+              <a:hueOff val="0"/>
+              <a:satOff val="0"/>
+              <a:lumOff val="0"/>
+              <a:alphaOff val="0"/>
+            </a:schemeClr>
+          </a:solidFill>
+          <a:prstDash val="solid"/>
+        </a:ln>
+        <a:effectLst/>
+      </dsp:spPr>
+      <dsp:style>
+        <a:lnRef idx="2">
+          <a:scrgbClr r="0" g="0" b="0"/>
+        </a:lnRef>
+        <a:fillRef idx="1">
+          <a:scrgbClr r="0" g="0" b="0"/>
+        </a:fillRef>
+        <a:effectRef idx="0">
+          <a:scrgbClr r="0" g="0" b="0"/>
+        </a:effectRef>
+        <a:fontRef idx="minor">
+          <a:schemeClr val="lt1"/>
+        </a:fontRef>
+      </dsp:style>
+      <dsp:txBody>
+        <a:bodyPr spcFirstLastPara="0" vert="horz" wrap="square" lIns="22860" tIns="22860" rIns="22860" bIns="22860" numCol="1" spcCol="1270" anchor="ctr" anchorCtr="0">
+          <a:noAutofit/>
+        </a:bodyPr>
+        <a:lstStyle/>
+        <a:p>
+          <a:pPr lvl="0" algn="ctr" defTabSz="800100">
+            <a:lnSpc>
+              <a:spcPct val="90000"/>
+            </a:lnSpc>
+            <a:spcBef>
+              <a:spcPct val="0"/>
+            </a:spcBef>
+            <a:spcAft>
+              <a:spcPct val="35000"/>
+            </a:spcAft>
+          </a:pPr>
+          <a:r>
+            <a:rPr lang="en-US" sz="1800" b="0" kern="1200" dirty="0" smtClean="0"/>
+            <a:t>Design</a:t>
+          </a:r>
+          <a:endParaRPr lang="ru-RU" sz="1800" b="0" kern="1200" dirty="0"/>
+        </a:p>
+      </dsp:txBody>
+      <dsp:txXfrm>
+        <a:off x="2902657" y="230791"/>
+        <a:ext cx="1107451" cy="1107451"/>
+      </dsp:txXfrm>
+    </dsp:sp>
+    <dsp:sp modelId="{6D3E105C-5DA2-4D30-8D94-9DF04996ED43}">
+      <dsp:nvSpPr>
+        <dsp:cNvPr id="0" name=""/>
+        <dsp:cNvSpPr/>
+      </dsp:nvSpPr>
+      <dsp:spPr>
+        <a:xfrm rot="2700000">
+          <a:off x="4071433" y="1343758"/>
+          <a:ext cx="416967" cy="528583"/>
+        </a:xfrm>
+        <a:prstGeom prst="rightArrow">
+          <a:avLst>
+            <a:gd name="adj1" fmla="val 60000"/>
+            <a:gd name="adj2" fmla="val 50000"/>
+          </a:avLst>
+        </a:prstGeom>
+        <a:solidFill>
+          <a:schemeClr val="accent6">
+            <a:tint val="60000"/>
+            <a:hueOff val="0"/>
+            <a:satOff val="0"/>
+            <a:lumOff val="0"/>
+            <a:alphaOff val="0"/>
+          </a:schemeClr>
+        </a:solidFill>
+        <a:ln>
+          <a:noFill/>
+        </a:ln>
+        <a:effectLst/>
+      </dsp:spPr>
+      <dsp:style>
+        <a:lnRef idx="0">
+          <a:scrgbClr r="0" g="0" b="0"/>
+        </a:lnRef>
+        <a:fillRef idx="1">
+          <a:scrgbClr r="0" g="0" b="0"/>
+        </a:fillRef>
+        <a:effectRef idx="0">
+          <a:scrgbClr r="0" g="0" b="0"/>
+        </a:effectRef>
+        <a:fontRef idx="minor">
+          <a:schemeClr val="lt1"/>
+        </a:fontRef>
+      </dsp:style>
+      <dsp:txBody>
+        <a:bodyPr spcFirstLastPara="0" vert="horz" wrap="square" lIns="0" tIns="0" rIns="0" bIns="0" numCol="1" spcCol="1270" anchor="ctr" anchorCtr="0">
+          <a:noAutofit/>
+        </a:bodyPr>
+        <a:lstStyle/>
+        <a:p>
+          <a:pPr lvl="0" algn="ctr" defTabSz="622300">
+            <a:lnSpc>
+              <a:spcPct val="90000"/>
+            </a:lnSpc>
+            <a:spcBef>
+              <a:spcPct val="0"/>
+            </a:spcBef>
+            <a:spcAft>
+              <a:spcPct val="35000"/>
+            </a:spcAft>
+          </a:pPr>
+          <a:endParaRPr lang="ru-RU" sz="1400" kern="1200"/>
+        </a:p>
+      </dsp:txBody>
+      <dsp:txXfrm>
+        <a:off x="4089752" y="1405249"/>
+        <a:ext cx="291877" cy="317149"/>
+      </dsp:txXfrm>
+    </dsp:sp>
+    <dsp:sp modelId="{2DF0FCB7-52AA-4542-9718-42FC9EEBFEA0}">
+      <dsp:nvSpPr>
+        <dsp:cNvPr id="0" name=""/>
+        <dsp:cNvSpPr/>
+      </dsp:nvSpPr>
+      <dsp:spPr>
+        <a:xfrm>
+          <a:off x="4337051" y="1665184"/>
+          <a:ext cx="1566173" cy="1566173"/>
+        </a:xfrm>
+        <a:prstGeom prst="ellipse">
+          <a:avLst/>
+        </a:prstGeom>
+        <a:solidFill>
+          <a:schemeClr val="accent2"/>
+        </a:solidFill>
+        <a:ln w="25400" cap="flat" cmpd="sng" algn="ctr">
+          <a:solidFill>
+            <a:schemeClr val="accent2">
+              <a:shade val="50000"/>
+            </a:schemeClr>
+          </a:solidFill>
+          <a:prstDash val="solid"/>
+        </a:ln>
+        <a:effectLst/>
+      </dsp:spPr>
+      <dsp:style>
+        <a:lnRef idx="2">
+          <a:schemeClr val="accent2">
+            <a:shade val="50000"/>
+          </a:schemeClr>
+        </a:lnRef>
+        <a:fillRef idx="1">
+          <a:schemeClr val="accent2"/>
+        </a:fillRef>
+        <a:effectRef idx="0">
+          <a:schemeClr val="accent2"/>
+        </a:effectRef>
+        <a:fontRef idx="minor">
+          <a:schemeClr val="lt1"/>
+        </a:fontRef>
+      </dsp:style>
+      <dsp:txBody>
+        <a:bodyPr spcFirstLastPara="0" vert="horz" wrap="square" lIns="22860" tIns="22860" rIns="22860" bIns="22860" numCol="1" spcCol="1270" anchor="ctr" anchorCtr="0">
+          <a:noAutofit/>
+        </a:bodyPr>
+        <a:lstStyle/>
+        <a:p>
+          <a:pPr lvl="0" algn="ctr" defTabSz="800100">
+            <a:lnSpc>
+              <a:spcPct val="90000"/>
+            </a:lnSpc>
+            <a:spcBef>
+              <a:spcPct val="0"/>
+            </a:spcBef>
+            <a:spcAft>
+              <a:spcPct val="35000"/>
+            </a:spcAft>
+          </a:pPr>
+          <a:r>
+            <a:rPr lang="en-US" sz="1800" b="0" kern="1200" dirty="0" smtClean="0"/>
+            <a:t>Test</a:t>
+          </a:r>
+          <a:endParaRPr lang="ru-RU" sz="1800" b="0" kern="1200" dirty="0"/>
+        </a:p>
+      </dsp:txBody>
+      <dsp:txXfrm>
+        <a:off x="4566412" y="1894545"/>
+        <a:ext cx="1107451" cy="1107451"/>
+      </dsp:txXfrm>
+    </dsp:sp>
+    <dsp:sp modelId="{7815476A-849A-446F-8EB7-4348A1D65EFF}">
+      <dsp:nvSpPr>
+        <dsp:cNvPr id="0" name=""/>
+        <dsp:cNvSpPr/>
+      </dsp:nvSpPr>
+      <dsp:spPr>
+        <a:xfrm rot="8100000">
+          <a:off x="4088122" y="3007513"/>
+          <a:ext cx="416967" cy="528583"/>
+        </a:xfrm>
+        <a:prstGeom prst="rightArrow">
+          <a:avLst>
+            <a:gd name="adj1" fmla="val 60000"/>
+            <a:gd name="adj2" fmla="val 50000"/>
+          </a:avLst>
+        </a:prstGeom>
+        <a:solidFill>
+          <a:schemeClr val="accent6">
+            <a:tint val="60000"/>
+            <a:hueOff val="0"/>
+            <a:satOff val="0"/>
+            <a:lumOff val="0"/>
+            <a:alphaOff val="0"/>
+          </a:schemeClr>
+        </a:solidFill>
+        <a:ln>
+          <a:noFill/>
+        </a:ln>
+        <a:effectLst/>
+      </dsp:spPr>
+      <dsp:style>
+        <a:lnRef idx="0">
+          <a:scrgbClr r="0" g="0" b="0"/>
+        </a:lnRef>
+        <a:fillRef idx="1">
+          <a:scrgbClr r="0" g="0" b="0"/>
+        </a:fillRef>
+        <a:effectRef idx="0">
+          <a:scrgbClr r="0" g="0" b="0"/>
+        </a:effectRef>
+        <a:fontRef idx="minor">
+          <a:schemeClr val="lt1"/>
+        </a:fontRef>
+      </dsp:style>
+      <dsp:txBody>
+        <a:bodyPr spcFirstLastPara="0" vert="horz" wrap="square" lIns="0" tIns="0" rIns="0" bIns="0" numCol="1" spcCol="1270" anchor="ctr" anchorCtr="0">
+          <a:noAutofit/>
+        </a:bodyPr>
+        <a:lstStyle/>
+        <a:p>
+          <a:pPr lvl="0" algn="ctr" defTabSz="622300">
+            <a:lnSpc>
+              <a:spcPct val="90000"/>
+            </a:lnSpc>
+            <a:spcBef>
+              <a:spcPct val="0"/>
+            </a:spcBef>
+            <a:spcAft>
+              <a:spcPct val="35000"/>
+            </a:spcAft>
+          </a:pPr>
+          <a:endParaRPr lang="ru-RU" sz="1400" kern="1200"/>
+        </a:p>
+      </dsp:txBody>
+      <dsp:txXfrm rot="10800000">
+        <a:off x="4194893" y="3069004"/>
+        <a:ext cx="291877" cy="317149"/>
+      </dsp:txXfrm>
+    </dsp:sp>
+    <dsp:sp modelId="{573D47CC-AE97-4FAA-8E6A-826D90755EB4}">
+      <dsp:nvSpPr>
+        <dsp:cNvPr id="0" name=""/>
+        <dsp:cNvSpPr/>
+      </dsp:nvSpPr>
+      <dsp:spPr>
+        <a:xfrm>
+          <a:off x="2673297" y="3328939"/>
+          <a:ext cx="1566173" cy="1566173"/>
+        </a:xfrm>
+        <a:prstGeom prst="ellipse">
+          <a:avLst/>
+        </a:prstGeom>
+        <a:solidFill>
+          <a:schemeClr val="lt1">
+            <a:hueOff val="0"/>
+            <a:satOff val="0"/>
+            <a:lumOff val="0"/>
+            <a:alphaOff val="0"/>
+          </a:schemeClr>
+        </a:solidFill>
+        <a:ln w="25400" cap="flat" cmpd="sng" algn="ctr">
+          <a:solidFill>
+            <a:schemeClr val="accent6">
+              <a:shade val="80000"/>
+              <a:hueOff val="0"/>
+              <a:satOff val="0"/>
+              <a:lumOff val="0"/>
+              <a:alphaOff val="0"/>
+            </a:schemeClr>
+          </a:solidFill>
+          <a:prstDash val="solid"/>
+        </a:ln>
+        <a:effectLst/>
+      </dsp:spPr>
+      <dsp:style>
+        <a:lnRef idx="2">
+          <a:scrgbClr r="0" g="0" b="0"/>
+        </a:lnRef>
+        <a:fillRef idx="1">
+          <a:scrgbClr r="0" g="0" b="0"/>
+        </a:fillRef>
+        <a:effectRef idx="0">
+          <a:scrgbClr r="0" g="0" b="0"/>
+        </a:effectRef>
+        <a:fontRef idx="minor">
+          <a:schemeClr val="lt1"/>
+        </a:fontRef>
+      </dsp:style>
+      <dsp:txBody>
+        <a:bodyPr spcFirstLastPara="0" vert="horz" wrap="square" lIns="22860" tIns="22860" rIns="22860" bIns="22860" numCol="1" spcCol="1270" anchor="ctr" anchorCtr="0">
+          <a:noAutofit/>
+        </a:bodyPr>
+        <a:lstStyle/>
+        <a:p>
+          <a:pPr lvl="0" algn="ctr" defTabSz="800100">
+            <a:lnSpc>
+              <a:spcPct val="90000"/>
+            </a:lnSpc>
+            <a:spcBef>
+              <a:spcPct val="0"/>
+            </a:spcBef>
+            <a:spcAft>
+              <a:spcPct val="35000"/>
+            </a:spcAft>
+          </a:pPr>
+          <a:r>
+            <a:rPr lang="en-US" sz="1800" b="0" kern="1200" dirty="0" smtClean="0"/>
+            <a:t>Implement</a:t>
+          </a:r>
+          <a:endParaRPr lang="ru-RU" sz="1800" b="0" kern="1200" dirty="0"/>
+        </a:p>
+      </dsp:txBody>
+      <dsp:txXfrm>
+        <a:off x="2902658" y="3558300"/>
+        <a:ext cx="1107451" cy="1107451"/>
+      </dsp:txXfrm>
+    </dsp:sp>
+    <dsp:sp modelId="{C53B6C48-0F28-4C30-8317-F4779C05F5E1}">
+      <dsp:nvSpPr>
+        <dsp:cNvPr id="0" name=""/>
+        <dsp:cNvSpPr/>
+      </dsp:nvSpPr>
+      <dsp:spPr>
+        <a:xfrm rot="13500000">
+          <a:off x="2424367" y="3024202"/>
+          <a:ext cx="416967" cy="528583"/>
+        </a:xfrm>
+        <a:prstGeom prst="rightArrow">
+          <a:avLst>
+            <a:gd name="adj1" fmla="val 60000"/>
+            <a:gd name="adj2" fmla="val 50000"/>
+          </a:avLst>
+        </a:prstGeom>
+        <a:solidFill>
+          <a:schemeClr val="accent6">
+            <a:tint val="60000"/>
+            <a:hueOff val="0"/>
+            <a:satOff val="0"/>
+            <a:lumOff val="0"/>
+            <a:alphaOff val="0"/>
+          </a:schemeClr>
+        </a:solidFill>
+        <a:ln>
+          <a:noFill/>
+        </a:ln>
+        <a:effectLst/>
+      </dsp:spPr>
+      <dsp:style>
+        <a:lnRef idx="0">
+          <a:scrgbClr r="0" g="0" b="0"/>
+        </a:lnRef>
+        <a:fillRef idx="1">
+          <a:scrgbClr r="0" g="0" b="0"/>
+        </a:fillRef>
+        <a:effectRef idx="0">
+          <a:scrgbClr r="0" g="0" b="0"/>
+        </a:effectRef>
+        <a:fontRef idx="minor">
+          <a:schemeClr val="lt1"/>
+        </a:fontRef>
+      </dsp:style>
+      <dsp:txBody>
+        <a:bodyPr spcFirstLastPara="0" vert="horz" wrap="square" lIns="0" tIns="0" rIns="0" bIns="0" numCol="1" spcCol="1270" anchor="ctr" anchorCtr="0">
+          <a:noAutofit/>
+        </a:bodyPr>
+        <a:lstStyle/>
+        <a:p>
+          <a:pPr lvl="0" algn="ctr" defTabSz="622300">
+            <a:lnSpc>
+              <a:spcPct val="90000"/>
+            </a:lnSpc>
+            <a:spcBef>
+              <a:spcPct val="0"/>
+            </a:spcBef>
+            <a:spcAft>
+              <a:spcPct val="35000"/>
+            </a:spcAft>
+          </a:pPr>
+          <a:endParaRPr lang="ru-RU" sz="1400" kern="1200"/>
+        </a:p>
+      </dsp:txBody>
+      <dsp:txXfrm rot="10800000">
+        <a:off x="2531138" y="3174145"/>
+        <a:ext cx="291877" cy="317149"/>
+      </dsp:txXfrm>
+    </dsp:sp>
+    <dsp:sp modelId="{11B4CBC4-AE1C-4904-826E-3BD4011B5EF6}">
+      <dsp:nvSpPr>
+        <dsp:cNvPr id="0" name=""/>
+        <dsp:cNvSpPr/>
+      </dsp:nvSpPr>
+      <dsp:spPr>
+        <a:xfrm>
+          <a:off x="1009542" y="1665185"/>
+          <a:ext cx="1566173" cy="1566173"/>
+        </a:xfrm>
+        <a:prstGeom prst="ellipse">
+          <a:avLst/>
+        </a:prstGeom>
+        <a:solidFill>
+          <a:schemeClr val="accent3"/>
+        </a:solidFill>
+        <a:ln w="25400" cap="flat" cmpd="sng" algn="ctr">
+          <a:solidFill>
+            <a:schemeClr val="accent3">
+              <a:shade val="50000"/>
+            </a:schemeClr>
+          </a:solidFill>
+          <a:prstDash val="solid"/>
+        </a:ln>
+        <a:effectLst/>
+      </dsp:spPr>
+      <dsp:style>
+        <a:lnRef idx="2">
+          <a:schemeClr val="accent3">
+            <a:shade val="50000"/>
+          </a:schemeClr>
+        </a:lnRef>
+        <a:fillRef idx="1">
+          <a:schemeClr val="accent3"/>
+        </a:fillRef>
+        <a:effectRef idx="0">
+          <a:schemeClr val="accent3"/>
+        </a:effectRef>
+        <a:fontRef idx="minor">
+          <a:schemeClr val="lt1"/>
+        </a:fontRef>
+      </dsp:style>
+      <dsp:txBody>
+        <a:bodyPr spcFirstLastPara="0" vert="horz" wrap="square" lIns="22860" tIns="22860" rIns="22860" bIns="22860" numCol="1" spcCol="1270" anchor="ctr" anchorCtr="0">
+          <a:noAutofit/>
+        </a:bodyPr>
+        <a:lstStyle/>
+        <a:p>
+          <a:pPr lvl="0" algn="ctr" defTabSz="800100">
+            <a:lnSpc>
+              <a:spcPct val="90000"/>
+            </a:lnSpc>
+            <a:spcBef>
+              <a:spcPct val="0"/>
+            </a:spcBef>
+            <a:spcAft>
+              <a:spcPct val="35000"/>
+            </a:spcAft>
+          </a:pPr>
+          <a:r>
+            <a:rPr lang="en-US" sz="1800" b="0" kern="1200" dirty="0" smtClean="0"/>
+            <a:t>Test</a:t>
+          </a:r>
+          <a:endParaRPr lang="ru-RU" sz="1800" b="0" kern="1200" dirty="0"/>
+        </a:p>
+      </dsp:txBody>
+      <dsp:txXfrm>
+        <a:off x="1238903" y="1894546"/>
+        <a:ext cx="1107451" cy="1107451"/>
+      </dsp:txXfrm>
+    </dsp:sp>
+    <dsp:sp modelId="{78BA696A-C46C-41C3-8979-C51CF44A04E2}">
+      <dsp:nvSpPr>
+        <dsp:cNvPr id="0" name=""/>
+        <dsp:cNvSpPr/>
+      </dsp:nvSpPr>
+      <dsp:spPr>
+        <a:xfrm rot="18900000">
+          <a:off x="2407678" y="1360447"/>
+          <a:ext cx="416967" cy="528583"/>
+        </a:xfrm>
+        <a:prstGeom prst="rightArrow">
+          <a:avLst>
+            <a:gd name="adj1" fmla="val 60000"/>
+            <a:gd name="adj2" fmla="val 50000"/>
+          </a:avLst>
+        </a:prstGeom>
+        <a:solidFill>
+          <a:schemeClr val="accent6">
+            <a:tint val="60000"/>
+            <a:hueOff val="0"/>
+            <a:satOff val="0"/>
+            <a:lumOff val="0"/>
+            <a:alphaOff val="0"/>
+          </a:schemeClr>
+        </a:solidFill>
+        <a:ln>
+          <a:noFill/>
+        </a:ln>
+        <a:effectLst/>
+      </dsp:spPr>
+      <dsp:style>
+        <a:lnRef idx="0">
+          <a:scrgbClr r="0" g="0" b="0"/>
+        </a:lnRef>
+        <a:fillRef idx="1">
+          <a:scrgbClr r="0" g="0" b="0"/>
+        </a:fillRef>
+        <a:effectRef idx="0">
+          <a:scrgbClr r="0" g="0" b="0"/>
+        </a:effectRef>
+        <a:fontRef idx="minor">
+          <a:schemeClr val="lt1"/>
+        </a:fontRef>
+      </dsp:style>
+      <dsp:txBody>
+        <a:bodyPr spcFirstLastPara="0" vert="horz" wrap="square" lIns="0" tIns="0" rIns="0" bIns="0" numCol="1" spcCol="1270" anchor="ctr" anchorCtr="0">
+          <a:noAutofit/>
+        </a:bodyPr>
+        <a:lstStyle/>
+        <a:p>
+          <a:pPr lvl="0" algn="ctr" defTabSz="622300">
+            <a:lnSpc>
+              <a:spcPct val="90000"/>
+            </a:lnSpc>
+            <a:spcBef>
+              <a:spcPct val="0"/>
+            </a:spcBef>
+            <a:spcAft>
+              <a:spcPct val="35000"/>
+            </a:spcAft>
+          </a:pPr>
+          <a:endParaRPr lang="ru-RU" sz="1400" kern="1200"/>
+        </a:p>
+      </dsp:txBody>
+      <dsp:txXfrm>
+        <a:off x="2425997" y="1510390"/>
+        <a:ext cx="291877" cy="317149"/>
+      </dsp:txXfrm>
+    </dsp:sp>
   </dsp:spTree>
 </dsp:drawing>
 </file>
@@ -7501,7 +8430,7 @@
           <a:p>
             <a:fld id="{16E5F246-0B7D-44DF-8C1B-EDFCA5DA626A}" type="datetimeFigureOut">
               <a:rPr lang="ru-RU" smtClean="0"/>
-              <a:t>30.06.2014</a:t>
+              <a:t>01.07.2014</a:t>
             </a:fld>
             <a:endParaRPr lang="ru-RU"/>
           </a:p>
@@ -7938,7 +8867,7 @@
           <a:p>
             <a:fld id="{3BAECB10-9972-4830-A584-02C41DAFD45B}" type="slidenum">
               <a:rPr lang="ru-RU" smtClean="0"/>
-              <a:t>4</a:t>
+              <a:t>5</a:t>
             </a:fld>
             <a:endParaRPr lang="ru-RU"/>
           </a:p>
@@ -8138,7 +9067,7 @@
           <a:p>
             <a:fld id="{ED7A5A9E-355E-4F5A-82F5-195339D13266}" type="datetimeFigureOut">
               <a:rPr lang="ru-RU" smtClean="0"/>
-              <a:t>30.06.2014</a:t>
+              <a:t>01.07.2014</a:t>
             </a:fld>
             <a:endParaRPr lang="ru-RU"/>
           </a:p>
@@ -8308,7 +9237,7 @@
           <a:p>
             <a:fld id="{ED7A5A9E-355E-4F5A-82F5-195339D13266}" type="datetimeFigureOut">
               <a:rPr lang="ru-RU" smtClean="0"/>
-              <a:t>30.06.2014</a:t>
+              <a:t>01.07.2014</a:t>
             </a:fld>
             <a:endParaRPr lang="ru-RU"/>
           </a:p>
@@ -8488,7 +9417,7 @@
           <a:p>
             <a:fld id="{ED7A5A9E-355E-4F5A-82F5-195339D13266}" type="datetimeFigureOut">
               <a:rPr lang="ru-RU" smtClean="0"/>
-              <a:t>30.06.2014</a:t>
+              <a:t>01.07.2014</a:t>
             </a:fld>
             <a:endParaRPr lang="ru-RU"/>
           </a:p>
@@ -8658,7 +9587,7 @@
           <a:p>
             <a:fld id="{ED7A5A9E-355E-4F5A-82F5-195339D13266}" type="datetimeFigureOut">
               <a:rPr lang="ru-RU" smtClean="0"/>
-              <a:t>30.06.2014</a:t>
+              <a:t>01.07.2014</a:t>
             </a:fld>
             <a:endParaRPr lang="ru-RU"/>
           </a:p>
@@ -8904,7 +9833,7 @@
           <a:p>
             <a:fld id="{ED7A5A9E-355E-4F5A-82F5-195339D13266}" type="datetimeFigureOut">
               <a:rPr lang="ru-RU" smtClean="0"/>
-              <a:t>30.06.2014</a:t>
+              <a:t>01.07.2014</a:t>
             </a:fld>
             <a:endParaRPr lang="ru-RU"/>
           </a:p>
@@ -9192,7 +10121,7 @@
           <a:p>
             <a:fld id="{ED7A5A9E-355E-4F5A-82F5-195339D13266}" type="datetimeFigureOut">
               <a:rPr lang="ru-RU" smtClean="0"/>
-              <a:t>30.06.2014</a:t>
+              <a:t>01.07.2014</a:t>
             </a:fld>
             <a:endParaRPr lang="ru-RU"/>
           </a:p>
@@ -9614,7 +10543,7 @@
           <a:p>
             <a:fld id="{ED7A5A9E-355E-4F5A-82F5-195339D13266}" type="datetimeFigureOut">
               <a:rPr lang="ru-RU" smtClean="0"/>
-              <a:t>30.06.2014</a:t>
+              <a:t>01.07.2014</a:t>
             </a:fld>
             <a:endParaRPr lang="ru-RU"/>
           </a:p>
@@ -9732,7 +10661,7 @@
           <a:p>
             <a:fld id="{ED7A5A9E-355E-4F5A-82F5-195339D13266}" type="datetimeFigureOut">
               <a:rPr lang="ru-RU" smtClean="0"/>
-              <a:t>30.06.2014</a:t>
+              <a:t>01.07.2014</a:t>
             </a:fld>
             <a:endParaRPr lang="ru-RU"/>
           </a:p>
@@ -9827,7 +10756,7 @@
           <a:p>
             <a:fld id="{ED7A5A9E-355E-4F5A-82F5-195339D13266}" type="datetimeFigureOut">
               <a:rPr lang="ru-RU" smtClean="0"/>
-              <a:t>30.06.2014</a:t>
+              <a:t>01.07.2014</a:t>
             </a:fld>
             <a:endParaRPr lang="ru-RU"/>
           </a:p>
@@ -10104,7 +11033,7 @@
           <a:p>
             <a:fld id="{ED7A5A9E-355E-4F5A-82F5-195339D13266}" type="datetimeFigureOut">
               <a:rPr lang="ru-RU" smtClean="0"/>
-              <a:t>30.06.2014</a:t>
+              <a:t>01.07.2014</a:t>
             </a:fld>
             <a:endParaRPr lang="ru-RU"/>
           </a:p>
@@ -10357,7 +11286,7 @@
           <a:p>
             <a:fld id="{ED7A5A9E-355E-4F5A-82F5-195339D13266}" type="datetimeFigureOut">
               <a:rPr lang="ru-RU" smtClean="0"/>
-              <a:t>30.06.2014</a:t>
+              <a:t>01.07.2014</a:t>
             </a:fld>
             <a:endParaRPr lang="ru-RU"/>
           </a:p>
@@ -10570,7 +11499,7 @@
           <a:p>
             <a:fld id="{ED7A5A9E-355E-4F5A-82F5-195339D13266}" type="datetimeFigureOut">
               <a:rPr lang="ru-RU" smtClean="0"/>
-              <a:t>30.06.2014</a:t>
+              <a:t>01.07.2014</a:t>
             </a:fld>
             <a:endParaRPr lang="ru-RU"/>
           </a:p>
@@ -10987,11 +11916,7 @@
           <a:p>
             <a:r>
               <a:rPr lang="ru-RU" dirty="0" smtClean="0"/>
-              <a:t>Крешкурс </a:t>
-            </a:r>
-            <a:r>
-              <a:rPr lang="ru-RU" dirty="0" smtClean="0"/>
-              <a:t>стажеров, июль 2014</a:t>
+              <a:t>Крешкурс стажеров, июль 2014</a:t>
             </a:r>
             <a:endParaRPr lang="ru-RU" dirty="0"/>
           </a:p>
@@ -11171,32 +12096,11 @@
           <a:p>
             <a:r>
               <a:rPr lang="ru-RU" dirty="0" smtClean="0"/>
-              <a:t>Тест — </a:t>
-            </a:r>
-            <a:r>
-              <a:rPr lang="ru-RU" b="1" dirty="0" smtClean="0"/>
-              <a:t>быстрая</a:t>
+              <a:t>«</a:t>
             </a:r>
             <a:r>
               <a:rPr lang="ru-RU" dirty="0" smtClean="0"/>
-              <a:t> обратная связь</a:t>
-            </a:r>
-          </a:p>
-          <a:p>
-            <a:r>
-              <a:rPr lang="ru-RU" dirty="0" smtClean="0"/>
-              <a:t>Тест — страховка при </a:t>
-            </a:r>
-            <a:r>
-              <a:rPr lang="ru-RU" dirty="0" err="1" smtClean="0"/>
-              <a:t>рефакторинге</a:t>
-            </a:r>
-            <a:endParaRPr lang="ru-RU" dirty="0" smtClean="0"/>
-          </a:p>
-          <a:p>
-            <a:r>
-              <a:rPr lang="ru-RU" dirty="0" smtClean="0"/>
-              <a:t>«Тесты? Нет, не хватило времени…»</a:t>
+              <a:t>Тесты? Нет, не хватило времени…»</a:t>
             </a:r>
           </a:p>
           <a:p>
@@ -11375,104 +12279,6 @@
                       </p:childTnLst>
                     </p:cTn>
                   </p:par>
-                  <p:par>
-                    <p:cTn id="15" fill="hold">
-                      <p:stCondLst>
-                        <p:cond delay="indefinite"/>
-                      </p:stCondLst>
-                      <p:childTnLst>
-                        <p:par>
-                          <p:cTn id="16" fill="hold">
-                            <p:stCondLst>
-                              <p:cond delay="0"/>
-                            </p:stCondLst>
-                            <p:childTnLst>
-                              <p:par>
-                                <p:cTn id="17" presetID="1" presetClass="entr" presetSubtype="0" fill="hold" grpId="0" nodeType="clickEffect">
-                                  <p:stCondLst>
-                                    <p:cond delay="0"/>
-                                  </p:stCondLst>
-                                  <p:childTnLst>
-                                    <p:set>
-                                      <p:cBhvr>
-                                        <p:cTn id="18" dur="1" fill="hold">
-                                          <p:stCondLst>
-                                            <p:cond delay="0"/>
-                                          </p:stCondLst>
-                                        </p:cTn>
-                                        <p:tgtEl>
-                                          <p:spTgt spid="3">
-                                            <p:txEl>
-                                              <p:pRg st="3" end="3"/>
-                                            </p:txEl>
-                                          </p:spTgt>
-                                        </p:tgtEl>
-                                        <p:attrNameLst>
-                                          <p:attrName>style.visibility</p:attrName>
-                                        </p:attrNameLst>
-                                      </p:cBhvr>
-                                      <p:to>
-                                        <p:strVal val="visible"/>
-                                      </p:to>
-                                    </p:set>
-                                  </p:childTnLst>
-                                </p:cTn>
-                              </p:par>
-                            </p:childTnLst>
-                          </p:cTn>
-                        </p:par>
-                      </p:childTnLst>
-                    </p:cTn>
-                  </p:par>
-                  <p:par>
-                    <p:cTn id="19" fill="hold">
-                      <p:stCondLst>
-                        <p:cond delay="indefinite"/>
-                      </p:stCondLst>
-                      <p:childTnLst>
-                        <p:par>
-                          <p:cTn id="20" fill="hold">
-                            <p:stCondLst>
-                              <p:cond delay="0"/>
-                            </p:stCondLst>
-                            <p:childTnLst>
-                              <p:par>
-                                <p:cTn id="21" presetID="1" presetClass="entr" presetSubtype="0" fill="hold" grpId="0" nodeType="clickEffect">
-                                  <p:stCondLst>
-                                    <p:cond delay="0"/>
-                                  </p:stCondLst>
-                                  <p:childTnLst>
-                                    <p:set>
-                                      <p:cBhvr>
-                                        <p:cTn id="22" dur="1" fill="hold">
-                                          <p:stCondLst>
-                                            <p:cond delay="0"/>
-                                          </p:stCondLst>
-                                        </p:cTn>
-                                        <p:tgtEl>
-                                          <p:spTgt spid="3">
-                                            <p:txEl>
-                                              <p:pRg st="4" end="4"/>
-                                            </p:txEl>
-                                          </p:spTgt>
-                                        </p:tgtEl>
-                                        <p:attrNameLst>
-                                          <p:attrName>style.visibility</p:attrName>
-                                        </p:attrNameLst>
-                                      </p:cBhvr>
-                                      <p:to>
-                                        <p:strVal val="visible"/>
-                                      </p:to>
-                                    </p:set>
-                                  </p:childTnLst>
-                                </p:cTn>
-                              </p:par>
-                            </p:childTnLst>
-                          </p:cTn>
-                        </p:par>
-                      </p:childTnLst>
-                    </p:cTn>
-                  </p:par>
                 </p:childTnLst>
               </p:cTn>
               <p:prevCondLst>
@@ -11502,84 +12308,6 @@
 </file>
 
 <file path=ppt/slides/slide12.xml><?xml version="1.0" encoding="utf-8"?>
-<p:sld xmlns:a="http://schemas.openxmlformats.org/drawingml/2006/main" xmlns:r="http://schemas.openxmlformats.org/officeDocument/2006/relationships" xmlns:p="http://schemas.openxmlformats.org/presentationml/2006/main">
-  <p:cSld>
-    <p:spTree>
-      <p:nvGrpSpPr>
-        <p:cNvPr id="1" name=""/>
-        <p:cNvGrpSpPr/>
-        <p:nvPr/>
-      </p:nvGrpSpPr>
-      <p:grpSpPr>
-        <a:xfrm>
-          <a:off x="0" y="0"/>
-          <a:ext cx="0" cy="0"/>
-          <a:chOff x="0" y="0"/>
-          <a:chExt cx="0" cy="0"/>
-        </a:xfrm>
-      </p:grpSpPr>
-      <p:pic>
-        <p:nvPicPr>
-          <p:cNvPr id="2050" name="Picture 2" descr="http://diogoosorio.com/public/images/blog/tdd_flow.gif"/>
-          <p:cNvPicPr>
-            <a:picLocks noChangeAspect="1" noChangeArrowheads="1"/>
-          </p:cNvPicPr>
-          <p:nvPr/>
-        </p:nvPicPr>
-        <p:blipFill>
-          <a:blip r:embed="rId2">
-            <a:extLst>
-              <a:ext uri="{28A0092B-C50C-407E-A947-70E740481C1C}">
-                <a14:useLocalDpi xmlns:a14="http://schemas.microsoft.com/office/drawing/2010/main" val="0"/>
-              </a:ext>
-            </a:extLst>
-          </a:blip>
-          <a:srcRect/>
-          <a:stretch>
-            <a:fillRect/>
-          </a:stretch>
-        </p:blipFill>
-        <p:spPr bwMode="auto">
-          <a:xfrm>
-            <a:off x="1768872" y="332656"/>
-            <a:ext cx="5606256" cy="5858481"/>
-          </a:xfrm>
-          <a:prstGeom prst="rect">
-            <a:avLst/>
-          </a:prstGeom>
-          <a:noFill/>
-          <a:extLst>
-            <a:ext uri="{909E8E84-426E-40DD-AFC4-6F175D3DCCD1}">
-              <a14:hiddenFill xmlns:a14="http://schemas.microsoft.com/office/drawing/2010/main">
-                <a:solidFill>
-                  <a:srgbClr val="FFFFFF"/>
-                </a:solidFill>
-              </a14:hiddenFill>
-            </a:ext>
-          </a:extLst>
-        </p:spPr>
-      </p:pic>
-    </p:spTree>
-    <p:extLst>
-      <p:ext uri="{BB962C8B-B14F-4D97-AF65-F5344CB8AC3E}">
-        <p14:creationId xmlns:p14="http://schemas.microsoft.com/office/powerpoint/2010/main" val="439619217"/>
-      </p:ext>
-    </p:extLst>
-  </p:cSld>
-  <p:clrMapOvr>
-    <a:masterClrMapping/>
-  </p:clrMapOvr>
-  <p:timing>
-    <p:tnLst>
-      <p:par>
-        <p:cTn id="1" dur="indefinite" restart="never" nodeType="tmRoot"/>
-      </p:par>
-    </p:tnLst>
-  </p:timing>
-</p:sld>
-</file>
-
-<file path=ppt/slides/slide13.xml><?xml version="1.0" encoding="utf-8"?>
 <p:sld xmlns:a="http://schemas.openxmlformats.org/drawingml/2006/main" xmlns:r="http://schemas.openxmlformats.org/officeDocument/2006/relationships" xmlns:p="http://schemas.openxmlformats.org/presentationml/2006/main">
   <p:cSld>
     <p:spTree>
@@ -11933,6 +12661,99 @@
 </p:sld>
 </file>
 
+<file path=ppt/slides/slide13.xml><?xml version="1.0" encoding="utf-8"?>
+<p:sld xmlns:a="http://schemas.openxmlformats.org/drawingml/2006/main" xmlns:r="http://schemas.openxmlformats.org/officeDocument/2006/relationships" xmlns:p="http://schemas.openxmlformats.org/presentationml/2006/main">
+  <p:cSld>
+    <p:spTree>
+      <p:nvGrpSpPr>
+        <p:cNvPr id="1" name=""/>
+        <p:cNvGrpSpPr/>
+        <p:nvPr/>
+      </p:nvGrpSpPr>
+      <p:grpSpPr>
+        <a:xfrm>
+          <a:off x="0" y="0"/>
+          <a:ext cx="0" cy="0"/>
+          <a:chOff x="0" y="0"/>
+          <a:chExt cx="0" cy="0"/>
+        </a:xfrm>
+      </p:grpSpPr>
+      <p:sp>
+        <p:nvSpPr>
+          <p:cNvPr id="2" name="Заголовок 1"/>
+          <p:cNvSpPr>
+            <a:spLocks noGrp="1"/>
+          </p:cNvSpPr>
+          <p:nvPr>
+            <p:ph type="title"/>
+          </p:nvPr>
+        </p:nvSpPr>
+        <p:spPr/>
+        <p:txBody>
+          <a:bodyPr/>
+          <a:lstStyle/>
+          <a:p>
+            <a:r>
+              <a:rPr lang="en-US" dirty="0" smtClean="0"/>
+              <a:t>TDD — </a:t>
+            </a:r>
+            <a:r>
+              <a:rPr lang="ru-RU" dirty="0" smtClean="0"/>
+              <a:t>спорная техника</a:t>
+            </a:r>
+            <a:endParaRPr lang="ru-RU" dirty="0"/>
+          </a:p>
+        </p:txBody>
+      </p:sp>
+      <p:sp>
+        <p:nvSpPr>
+          <p:cNvPr id="3" name="Объект 2"/>
+          <p:cNvSpPr>
+            <a:spLocks noGrp="1"/>
+          </p:cNvSpPr>
+          <p:nvPr>
+            <p:ph idx="1"/>
+          </p:nvPr>
+        </p:nvSpPr>
+        <p:spPr/>
+        <p:txBody>
+          <a:bodyPr/>
+          <a:lstStyle/>
+          <a:p>
+            <a:pPr marL="0" indent="0">
+              <a:buNone/>
+            </a:pPr>
+            <a:r>
+              <a:rPr lang="ru-RU" dirty="0"/>
+              <a:t>н</a:t>
+            </a:r>
+            <a:r>
+              <a:rPr lang="ru-RU" dirty="0" smtClean="0"/>
+              <a:t>о большинство возражений ошибочны!</a:t>
+            </a:r>
+          </a:p>
+        </p:txBody>
+      </p:sp>
+    </p:spTree>
+    <p:extLst>
+      <p:ext uri="{BB962C8B-B14F-4D97-AF65-F5344CB8AC3E}">
+        <p14:creationId xmlns:p14="http://schemas.microsoft.com/office/powerpoint/2010/main" val="438521335"/>
+      </p:ext>
+    </p:extLst>
+  </p:cSld>
+  <p:clrMapOvr>
+    <a:masterClrMapping/>
+  </p:clrMapOvr>
+  <p:timing>
+    <p:tnLst>
+      <p:par>
+        <p:cTn id="1" dur="indefinite" restart="never" nodeType="tmRoot"/>
+      </p:par>
+    </p:tnLst>
+  </p:timing>
+</p:sld>
+</file>
+
 <file path=ppt/slides/slide14.xml><?xml version="1.0" encoding="utf-8"?>
 <p:sld xmlns:a="http://schemas.openxmlformats.org/drawingml/2006/main" xmlns:r="http://schemas.openxmlformats.org/officeDocument/2006/relationships" xmlns:p="http://schemas.openxmlformats.org/presentationml/2006/main">
   <p:cSld>
@@ -11996,99 +12817,6 @@
               <a:buNone/>
             </a:pPr>
             <a:r>
-              <a:rPr lang="ru-RU" dirty="0"/>
-              <a:t>н</a:t>
-            </a:r>
-            <a:r>
-              <a:rPr lang="ru-RU" dirty="0" smtClean="0"/>
-              <a:t>о большинство возражений ошибочны!</a:t>
-            </a:r>
-          </a:p>
-        </p:txBody>
-      </p:sp>
-    </p:spTree>
-    <p:extLst>
-      <p:ext uri="{BB962C8B-B14F-4D97-AF65-F5344CB8AC3E}">
-        <p14:creationId xmlns:p14="http://schemas.microsoft.com/office/powerpoint/2010/main" val="438521335"/>
-      </p:ext>
-    </p:extLst>
-  </p:cSld>
-  <p:clrMapOvr>
-    <a:masterClrMapping/>
-  </p:clrMapOvr>
-  <p:timing>
-    <p:tnLst>
-      <p:par>
-        <p:cTn id="1" dur="indefinite" restart="never" nodeType="tmRoot"/>
-      </p:par>
-    </p:tnLst>
-  </p:timing>
-</p:sld>
-</file>
-
-<file path=ppt/slides/slide15.xml><?xml version="1.0" encoding="utf-8"?>
-<p:sld xmlns:a="http://schemas.openxmlformats.org/drawingml/2006/main" xmlns:r="http://schemas.openxmlformats.org/officeDocument/2006/relationships" xmlns:p="http://schemas.openxmlformats.org/presentationml/2006/main">
-  <p:cSld>
-    <p:spTree>
-      <p:nvGrpSpPr>
-        <p:cNvPr id="1" name=""/>
-        <p:cNvGrpSpPr/>
-        <p:nvPr/>
-      </p:nvGrpSpPr>
-      <p:grpSpPr>
-        <a:xfrm>
-          <a:off x="0" y="0"/>
-          <a:ext cx="0" cy="0"/>
-          <a:chOff x="0" y="0"/>
-          <a:chExt cx="0" cy="0"/>
-        </a:xfrm>
-      </p:grpSpPr>
-      <p:sp>
-        <p:nvSpPr>
-          <p:cNvPr id="2" name="Заголовок 1"/>
-          <p:cNvSpPr>
-            <a:spLocks noGrp="1"/>
-          </p:cNvSpPr>
-          <p:nvPr>
-            <p:ph type="title"/>
-          </p:nvPr>
-        </p:nvSpPr>
-        <p:spPr/>
-        <p:txBody>
-          <a:bodyPr/>
-          <a:lstStyle/>
-          <a:p>
-            <a:r>
-              <a:rPr lang="en-US" dirty="0" smtClean="0"/>
-              <a:t>TDD — </a:t>
-            </a:r>
-            <a:r>
-              <a:rPr lang="ru-RU" dirty="0" smtClean="0"/>
-              <a:t>спорная техника</a:t>
-            </a:r>
-            <a:endParaRPr lang="ru-RU" dirty="0"/>
-          </a:p>
-        </p:txBody>
-      </p:sp>
-      <p:sp>
-        <p:nvSpPr>
-          <p:cNvPr id="3" name="Объект 2"/>
-          <p:cNvSpPr>
-            <a:spLocks noGrp="1"/>
-          </p:cNvSpPr>
-          <p:nvPr>
-            <p:ph idx="1"/>
-          </p:nvPr>
-        </p:nvSpPr>
-        <p:spPr/>
-        <p:txBody>
-          <a:bodyPr/>
-          <a:lstStyle/>
-          <a:p>
-            <a:pPr marL="0" indent="0">
-              <a:buNone/>
-            </a:pPr>
-            <a:r>
               <a:rPr lang="ru-RU" dirty="0" smtClean="0"/>
               <a:t>но пожить немного в режиме </a:t>
             </a:r>
@@ -12137,7 +12865,7 @@
 </p:sld>
 </file>
 
-<file path=ppt/slides/slide16.xml><?xml version="1.0" encoding="utf-8"?>
+<file path=ppt/slides/slide15.xml><?xml version="1.0" encoding="utf-8"?>
 <p:sld xmlns:a="http://schemas.openxmlformats.org/drawingml/2006/main" xmlns:r="http://schemas.openxmlformats.org/officeDocument/2006/relationships" xmlns:p="http://schemas.openxmlformats.org/presentationml/2006/main">
   <p:cSld>
     <p:spTree>
@@ -12713,7 +13441,7 @@
 </p:sld>
 </file>
 
-<file path=ppt/slides/slide17.xml><?xml version="1.0" encoding="utf-8"?>
+<file path=ppt/slides/slide16.xml><?xml version="1.0" encoding="utf-8"?>
 <p:sld xmlns:a="http://schemas.openxmlformats.org/drawingml/2006/main" xmlns:r="http://schemas.openxmlformats.org/officeDocument/2006/relationships" xmlns:p="http://schemas.openxmlformats.org/presentationml/2006/main">
   <p:cSld>
     <p:spTree>
@@ -13400,7 +14128,66 @@
       </p:grpSpPr>
       <p:sp>
         <p:nvSpPr>
-          <p:cNvPr id="2" name="Заголовок 1"/>
+          <p:cNvPr id="3" name="Объект 2"/>
+          <p:cNvSpPr>
+            <a:spLocks noGrp="1"/>
+          </p:cNvSpPr>
+          <p:nvPr>
+            <p:ph idx="1"/>
+          </p:nvPr>
+        </p:nvSpPr>
+        <p:spPr>
+          <a:xfrm>
+            <a:off x="457200" y="1600200"/>
+            <a:ext cx="8229600" cy="4525963"/>
+          </a:xfrm>
+        </p:spPr>
+        <p:txBody>
+          <a:bodyPr>
+            <a:normAutofit/>
+          </a:bodyPr>
+          <a:lstStyle/>
+          <a:p>
+            <a:pPr marL="0" indent="0">
+              <a:buNone/>
+            </a:pPr>
+            <a:r>
+              <a:rPr lang="en-US" sz="2400" dirty="0">
+                <a:hlinkClick r:id="rId2"/>
+              </a:rPr>
+              <a:t>http</a:t>
+            </a:r>
+            <a:r>
+              <a:rPr lang="en-US" sz="2400" dirty="0" smtClean="0">
+                <a:hlinkClick r:id="rId2"/>
+              </a:rPr>
+              <a:t>://</a:t>
+            </a:r>
+            <a:r>
+              <a:rPr lang="en-US" b="1" dirty="0" smtClean="0">
+                <a:hlinkClick r:id="rId2"/>
+              </a:rPr>
+              <a:t>nunit.org</a:t>
+            </a:r>
+            <a:r>
+              <a:rPr lang="en-US" sz="2400" dirty="0" smtClean="0">
+                <a:hlinkClick r:id="rId2"/>
+              </a:rPr>
+              <a:t>/index.php?p=docHome&amp;r=2.6.3</a:t>
+            </a:r>
+            <a:endParaRPr lang="ru-RU" sz="2400" dirty="0"/>
+          </a:p>
+          <a:p>
+            <a:pPr marL="0" indent="0">
+              <a:buNone/>
+            </a:pPr>
+            <a:endParaRPr lang="ru-RU" sz="2400" dirty="0"/>
+          </a:p>
+        </p:txBody>
+      </p:sp>
+      <p:sp>
+        <p:nvSpPr>
+          <p:cNvPr id="4" name="Заголовок 3"/>
           <p:cNvSpPr>
             <a:spLocks noGrp="1"/>
           </p:cNvSpPr>
@@ -13414,60 +14201,8 @@
           <a:lstStyle/>
           <a:p>
             <a:r>
-              <a:rPr lang="ru-RU" dirty="0" smtClean="0"/>
-              <a:t>Анатомия теста</a:t>
-            </a:r>
-            <a:endParaRPr lang="ru-RU" dirty="0"/>
-          </a:p>
-        </p:txBody>
-      </p:sp>
-      <p:sp>
-        <p:nvSpPr>
-          <p:cNvPr id="3" name="Объект 2"/>
-          <p:cNvSpPr>
-            <a:spLocks noGrp="1"/>
-          </p:cNvSpPr>
-          <p:nvPr>
-            <p:ph idx="1"/>
-          </p:nvPr>
-        </p:nvSpPr>
-        <p:spPr/>
-        <p:txBody>
-          <a:bodyPr/>
-          <a:lstStyle/>
-          <a:p>
-            <a:pPr marL="0" indent="0">
-              <a:buNone/>
-            </a:pPr>
-            <a:r>
-              <a:rPr lang="ru-RU" dirty="0" smtClean="0"/>
-              <a:t>Гуру советуют </a:t>
-            </a:r>
-            <a:r>
-              <a:rPr lang="en-US" dirty="0" smtClean="0"/>
-              <a:t>AAA</a:t>
-            </a:r>
-            <a:r>
-              <a:rPr lang="ru-RU" dirty="0" smtClean="0"/>
-              <a:t>:</a:t>
-            </a:r>
-          </a:p>
-          <a:p>
-            <a:r>
-              <a:rPr lang="en-US" dirty="0" smtClean="0"/>
-              <a:t>Arrange</a:t>
-            </a:r>
-          </a:p>
-          <a:p>
-            <a:r>
-              <a:rPr lang="en-US" dirty="0" smtClean="0"/>
-              <a:t>Act</a:t>
-            </a:r>
-          </a:p>
-          <a:p>
-            <a:r>
-              <a:rPr lang="en-US" dirty="0" smtClean="0"/>
-              <a:t>Assert</a:t>
+              <a:rPr lang="en-US" dirty="0" err="1" smtClean="0"/>
+              <a:t>NUnit</a:t>
             </a:r>
             <a:endParaRPr lang="ru-RU" dirty="0"/>
           </a:p>
@@ -13476,7 +14211,7 @@
     </p:spTree>
     <p:extLst>
       <p:ext uri="{BB962C8B-B14F-4D97-AF65-F5344CB8AC3E}">
-        <p14:creationId xmlns:p14="http://schemas.microsoft.com/office/powerpoint/2010/main" val="400814519"/>
+        <p14:creationId xmlns:p14="http://schemas.microsoft.com/office/powerpoint/2010/main" val="3894693902"/>
       </p:ext>
     </p:extLst>
   </p:cSld>
@@ -13527,7 +14262,7 @@
           <a:p>
             <a:r>
               <a:rPr lang="ru-RU" dirty="0" smtClean="0"/>
-              <a:t>Зачем?</a:t>
+              <a:t>Анатомия теста</a:t>
             </a:r>
             <a:endParaRPr lang="ru-RU" dirty="0"/>
           </a:p>
@@ -13535,7 +14270,7 @@
       </p:sp>
       <p:sp>
         <p:nvSpPr>
-          <p:cNvPr id="4" name="Объект 3"/>
+          <p:cNvPr id="3" name="Объект 2"/>
           <p:cNvSpPr>
             <a:spLocks noGrp="1"/>
           </p:cNvSpPr>
@@ -13548,42 +14283,47 @@
           <a:bodyPr/>
           <a:lstStyle/>
           <a:p>
-            <a:r>
-              <a:rPr lang="ru-RU" dirty="0" smtClean="0"/>
-              <a:t>Тест —обратная </a:t>
-            </a:r>
-            <a:r>
-              <a:rPr lang="ru-RU" dirty="0"/>
-              <a:t>связь</a:t>
-            </a:r>
-          </a:p>
-          <a:p>
-            <a:r>
-              <a:rPr lang="ru-RU" dirty="0"/>
-              <a:t>Тест — страховка при </a:t>
-            </a:r>
-            <a:r>
-              <a:rPr lang="ru-RU" dirty="0" err="1"/>
-              <a:t>рефакторинге</a:t>
-            </a:r>
-            <a:endParaRPr lang="ru-RU" dirty="0"/>
-          </a:p>
-          <a:p>
-            <a:pPr>
-              <a:buFont typeface="Arial" charset="0"/>
-              <a:buChar char="•"/>
+            <a:pPr marL="0" indent="0">
+              <a:buNone/>
             </a:pPr>
             <a:r>
               <a:rPr lang="ru-RU" dirty="0" smtClean="0"/>
-              <a:t>Чувство уверенности в своем / чужом коде</a:t>
+              <a:t>Гуру советуют </a:t>
             </a:r>
+            <a:r>
+              <a:rPr lang="en-US" dirty="0" smtClean="0"/>
+              <a:t>AAA</a:t>
+            </a:r>
+            <a:r>
+              <a:rPr lang="ru-RU" dirty="0" smtClean="0"/>
+              <a:t>:</a:t>
+            </a:r>
+          </a:p>
+          <a:p>
+            <a:r>
+              <a:rPr lang="en-US" dirty="0" smtClean="0"/>
+              <a:t>Arrange</a:t>
+            </a:r>
+          </a:p>
+          <a:p>
+            <a:r>
+              <a:rPr lang="en-US" dirty="0" smtClean="0"/>
+              <a:t>Act</a:t>
+            </a:r>
+          </a:p>
+          <a:p>
+            <a:r>
+              <a:rPr lang="en-US" dirty="0" smtClean="0"/>
+              <a:t>Assert</a:t>
+            </a:r>
+            <a:endParaRPr lang="ru-RU" dirty="0"/>
           </a:p>
         </p:txBody>
       </p:sp>
     </p:spTree>
     <p:extLst>
       <p:ext uri="{BB962C8B-B14F-4D97-AF65-F5344CB8AC3E}">
-        <p14:creationId xmlns:p14="http://schemas.microsoft.com/office/powerpoint/2010/main" val="4144502769"/>
+        <p14:creationId xmlns:p14="http://schemas.microsoft.com/office/powerpoint/2010/main" val="400814519"/>
       </p:ext>
     </p:extLst>
   </p:cSld>
@@ -13619,66 +14359,7 @@
       </p:grpSpPr>
       <p:sp>
         <p:nvSpPr>
-          <p:cNvPr id="3" name="Объект 2"/>
-          <p:cNvSpPr>
-            <a:spLocks noGrp="1"/>
-          </p:cNvSpPr>
-          <p:nvPr>
-            <p:ph idx="1"/>
-          </p:nvPr>
-        </p:nvSpPr>
-        <p:spPr>
-          <a:xfrm>
-            <a:off x="457200" y="1600200"/>
-            <a:ext cx="8229600" cy="4525963"/>
-          </a:xfrm>
-        </p:spPr>
-        <p:txBody>
-          <a:bodyPr>
-            <a:normAutofit/>
-          </a:bodyPr>
-          <a:lstStyle/>
-          <a:p>
-            <a:pPr marL="0" indent="0">
-              <a:buNone/>
-            </a:pPr>
-            <a:r>
-              <a:rPr lang="en-US" sz="2400" dirty="0">
-                <a:hlinkClick r:id="rId2"/>
-              </a:rPr>
-              <a:t>http</a:t>
-            </a:r>
-            <a:r>
-              <a:rPr lang="en-US" sz="2400" dirty="0" smtClean="0">
-                <a:hlinkClick r:id="rId2"/>
-              </a:rPr>
-              <a:t>://</a:t>
-            </a:r>
-            <a:r>
-              <a:rPr lang="en-US" b="1" dirty="0" smtClean="0">
-                <a:hlinkClick r:id="rId2"/>
-              </a:rPr>
-              <a:t>nunit.org</a:t>
-            </a:r>
-            <a:r>
-              <a:rPr lang="en-US" sz="2400" dirty="0" smtClean="0">
-                <a:hlinkClick r:id="rId2"/>
-              </a:rPr>
-              <a:t>/index.php?p=docHome&amp;r=2.6.3</a:t>
-            </a:r>
-            <a:endParaRPr lang="ru-RU" sz="2400" dirty="0"/>
-          </a:p>
-          <a:p>
-            <a:pPr marL="0" indent="0">
-              <a:buNone/>
-            </a:pPr>
-            <a:endParaRPr lang="ru-RU" sz="2400" dirty="0"/>
-          </a:p>
-        </p:txBody>
-      </p:sp>
-      <p:sp>
-        <p:nvSpPr>
-          <p:cNvPr id="4" name="Заголовок 3"/>
+          <p:cNvPr id="2" name="Заголовок 1"/>
           <p:cNvSpPr>
             <a:spLocks noGrp="1"/>
           </p:cNvSpPr>
@@ -13692,17 +14373,64 @@
           <a:lstStyle/>
           <a:p>
             <a:r>
-              <a:rPr lang="en-US" dirty="0" err="1" smtClean="0"/>
-              <a:t>NUnit</a:t>
+              <a:rPr lang="ru-RU" dirty="0" smtClean="0"/>
+              <a:t>Зачем?</a:t>
             </a:r>
             <a:endParaRPr lang="ru-RU" dirty="0"/>
+          </a:p>
+        </p:txBody>
+      </p:sp>
+      <p:sp>
+        <p:nvSpPr>
+          <p:cNvPr id="4" name="Объект 3"/>
+          <p:cNvSpPr>
+            <a:spLocks noGrp="1"/>
+          </p:cNvSpPr>
+          <p:nvPr>
+            <p:ph idx="1"/>
+          </p:nvPr>
+        </p:nvSpPr>
+        <p:spPr/>
+        <p:txBody>
+          <a:bodyPr/>
+          <a:lstStyle/>
+          <a:p>
+            <a:r>
+              <a:rPr lang="ru-RU" dirty="0" smtClean="0"/>
+              <a:t>Тест —обратная </a:t>
+            </a:r>
+            <a:r>
+              <a:rPr lang="ru-RU" dirty="0"/>
+              <a:t>связь</a:t>
+            </a:r>
+          </a:p>
+          <a:p>
+            <a:r>
+              <a:rPr lang="ru-RU" dirty="0"/>
+              <a:t>Тест — страховка при </a:t>
+            </a:r>
+            <a:r>
+              <a:rPr lang="ru-RU" dirty="0" err="1"/>
+              <a:t>рефакторинге</a:t>
+            </a:r>
+            <a:endParaRPr lang="ru-RU" dirty="0"/>
+          </a:p>
+          <a:p>
+            <a:pPr>
+              <a:buFont typeface="Arial" charset="0"/>
+              <a:buChar char="•"/>
+            </a:pPr>
+            <a:r>
+              <a:rPr lang="ru-RU" dirty="0" smtClean="0"/>
+              <a:t>Чувство уверенности в своем / чужом коде</a:t>
+            </a:r>
           </a:p>
         </p:txBody>
       </p:sp>
     </p:spTree>
     <p:extLst>
       <p:ext uri="{BB962C8B-B14F-4D97-AF65-F5344CB8AC3E}">
-        <p14:creationId xmlns:p14="http://schemas.microsoft.com/office/powerpoint/2010/main" val="3894693902"/>
+        <p14:creationId xmlns:p14="http://schemas.microsoft.com/office/powerpoint/2010/main" val="4144502769"/>
       </p:ext>
     </p:extLst>
   </p:cSld>
